--- a/ppt/chap-线性模型.pptx
+++ b/ppt/chap-线性模型.pptx
@@ -5,7 +5,7 @@
     <p:sldMasterId id="2147483756" r:id="rId1"/>
   </p:sldMasterIdLst>
   <p:notesMasterIdLst>
-    <p:notesMasterId r:id="rId31"/>
+    <p:notesMasterId r:id="rId26"/>
   </p:notesMasterIdLst>
   <p:sldIdLst>
     <p:sldId id="256" r:id="rId2"/>
@@ -31,12 +31,7 @@
     <p:sldId id="467" r:id="rId22"/>
     <p:sldId id="468" r:id="rId23"/>
     <p:sldId id="469" r:id="rId24"/>
-    <p:sldId id="470" r:id="rId25"/>
-    <p:sldId id="471" r:id="rId26"/>
-    <p:sldId id="472" r:id="rId27"/>
-    <p:sldId id="473" r:id="rId28"/>
-    <p:sldId id="474" r:id="rId29"/>
-    <p:sldId id="447" r:id="rId30"/>
+    <p:sldId id="447" r:id="rId25"/>
   </p:sldIdLst>
   <p:sldSz cx="9144000" cy="6858000" type="screen4x3"/>
   <p:notesSz cx="6858000" cy="9144000"/>
@@ -193,11 +188,6 @@
             <p14:sldId id="467"/>
             <p14:sldId id="468"/>
             <p14:sldId id="469"/>
-            <p14:sldId id="470"/>
-            <p14:sldId id="471"/>
-            <p14:sldId id="472"/>
-            <p14:sldId id="473"/>
-            <p14:sldId id="474"/>
             <p14:sldId id="447"/>
           </p14:sldIdLst>
         </p14:section>
@@ -327,7 +317,7 @@
               <a:pPr>
                 <a:defRPr/>
               </a:pPr>
-              <a:t>7/2/2018</a:t>
+              <a:t>10/8/2018</a:t>
             </a:fld>
             <a:endParaRPr lang="en-US" altLang="zh-CN"/>
           </a:p>
@@ -887,388 +877,6 @@
 </p:notes>
 </file>
 
-<file path=ppt/notesSlides/notesSlide3.xml><?xml version="1.0" encoding="utf-8"?>
-<p:notes xmlns:a="http://schemas.openxmlformats.org/drawingml/2006/main" xmlns:r="http://schemas.openxmlformats.org/officeDocument/2006/relationships" xmlns:p="http://schemas.openxmlformats.org/presentationml/2006/main">
-  <p:cSld>
-    <p:spTree>
-      <p:nvGrpSpPr>
-        <p:cNvPr id="1" name=""/>
-        <p:cNvGrpSpPr/>
-        <p:nvPr/>
-      </p:nvGrpSpPr>
-      <p:grpSpPr>
-        <a:xfrm>
-          <a:off x="0" y="0"/>
-          <a:ext cx="0" cy="0"/>
-          <a:chOff x="0" y="0"/>
-          <a:chExt cx="0" cy="0"/>
-        </a:xfrm>
-      </p:grpSpPr>
-      <p:sp>
-        <p:nvSpPr>
-          <p:cNvPr id="2" name="幻灯片图像占位符 1"/>
-          <p:cNvSpPr>
-            <a:spLocks noGrp="1" noRot="1" noChangeAspect="1"/>
-          </p:cNvSpPr>
-          <p:nvPr>
-            <p:ph type="sldImg"/>
-          </p:nvPr>
-        </p:nvSpPr>
-        <p:spPr/>
-      </p:sp>
-      <p:sp>
-        <p:nvSpPr>
-          <p:cNvPr id="3" name="备注占位符 2"/>
-          <p:cNvSpPr>
-            <a:spLocks noGrp="1"/>
-          </p:cNvSpPr>
-          <p:nvPr>
-            <p:ph type="body" idx="1"/>
-          </p:nvPr>
-        </p:nvSpPr>
-        <p:spPr/>
-        <p:txBody>
-          <a:bodyPr/>
-          <a:lstStyle/>
-          <a:p>
-            <a:endParaRPr lang="zh-CN" altLang="en-US" dirty="0"/>
-          </a:p>
-        </p:txBody>
-      </p:sp>
-      <p:sp>
-        <p:nvSpPr>
-          <p:cNvPr id="4" name="灯片编号占位符 3"/>
-          <p:cNvSpPr>
-            <a:spLocks noGrp="1"/>
-          </p:cNvSpPr>
-          <p:nvPr>
-            <p:ph type="sldNum" sz="quarter" idx="10"/>
-          </p:nvPr>
-        </p:nvSpPr>
-        <p:spPr/>
-        <p:txBody>
-          <a:bodyPr/>
-          <a:lstStyle/>
-          <a:p>
-            <a:pPr>
-              <a:defRPr/>
-            </a:pPr>
-            <a:fld id="{B4C119E0-CEE4-4FF8-83B2-DC856A2C17CC}" type="slidenum">
-              <a:rPr lang="en-US" altLang="zh-CN" smtClean="0"/>
-              <a:pPr>
-                <a:defRPr/>
-              </a:pPr>
-              <a:t>24</a:t>
-            </a:fld>
-            <a:endParaRPr lang="en-US" altLang="zh-CN"/>
-          </a:p>
-        </p:txBody>
-      </p:sp>
-    </p:spTree>
-    <p:extLst>
-      <p:ext uri="{BB962C8B-B14F-4D97-AF65-F5344CB8AC3E}">
-        <p14:creationId xmlns:p14="http://schemas.microsoft.com/office/powerpoint/2010/main" val="2788094078"/>
-      </p:ext>
-    </p:extLst>
-  </p:cSld>
-  <p:clrMapOvr>
-    <a:masterClrMapping/>
-  </p:clrMapOvr>
-</p:notes>
-</file>
-
-<file path=ppt/notesSlides/notesSlide4.xml><?xml version="1.0" encoding="utf-8"?>
-<p:notes xmlns:a="http://schemas.openxmlformats.org/drawingml/2006/main" xmlns:r="http://schemas.openxmlformats.org/officeDocument/2006/relationships" xmlns:p="http://schemas.openxmlformats.org/presentationml/2006/main">
-  <p:cSld>
-    <p:spTree>
-      <p:nvGrpSpPr>
-        <p:cNvPr id="1" name=""/>
-        <p:cNvGrpSpPr/>
-        <p:nvPr/>
-      </p:nvGrpSpPr>
-      <p:grpSpPr>
-        <a:xfrm>
-          <a:off x="0" y="0"/>
-          <a:ext cx="0" cy="0"/>
-          <a:chOff x="0" y="0"/>
-          <a:chExt cx="0" cy="0"/>
-        </a:xfrm>
-      </p:grpSpPr>
-      <p:sp>
-        <p:nvSpPr>
-          <p:cNvPr id="2" name="Slide Image Placeholder 1"/>
-          <p:cNvSpPr>
-            <a:spLocks noGrp="1" noRot="1" noChangeAspect="1"/>
-          </p:cNvSpPr>
-          <p:nvPr>
-            <p:ph type="sldImg"/>
-          </p:nvPr>
-        </p:nvSpPr>
-        <p:spPr>
-          <a:xfrm>
-            <a:off x="1143000" y="685800"/>
-            <a:ext cx="4572000" cy="3429000"/>
-          </a:xfrm>
-        </p:spPr>
-      </p:sp>
-      <p:sp>
-        <p:nvSpPr>
-          <p:cNvPr id="3" name="Notes Placeholder 2"/>
-          <p:cNvSpPr>
-            <a:spLocks noGrp="1"/>
-          </p:cNvSpPr>
-          <p:nvPr>
-            <p:ph type="body" idx="1"/>
-          </p:nvPr>
-        </p:nvSpPr>
-        <p:spPr/>
-        <p:txBody>
-          <a:bodyPr/>
-          <a:lstStyle/>
-          <a:p>
-            <a:pPr marL="0" marR="0" lvl="0" indent="0" algn="l" defTabSz="914400" rtl="0" eaLnBrk="0" fontAlgn="base" latinLnBrk="0" hangingPunct="0">
-              <a:lnSpc>
-                <a:spcPct val="100000"/>
-              </a:lnSpc>
-              <a:spcBef>
-                <a:spcPct val="30000"/>
-              </a:spcBef>
-              <a:spcAft>
-                <a:spcPct val="0"/>
-              </a:spcAft>
-              <a:buClrTx/>
-              <a:buSzTx/>
-              <a:buFontTx/>
-              <a:buNone/>
-              <a:tabLst/>
-              <a:defRPr/>
-            </a:pPr>
-            <a:r>
-              <a:rPr lang="zh-CN" altLang="en-US" dirty="0" smtClean="0"/>
-              <a:t>人们对文本、图像的理解无法从字符串或者图像的底层特征直接获得，它需要使用人们日常生活中积累的大量经验和知识来进行推理和判断。</a:t>
-            </a:r>
-          </a:p>
-          <a:p>
-            <a:pPr marL="0" marR="0" lvl="0" indent="0" algn="l" defTabSz="914400" rtl="0" eaLnBrk="0" fontAlgn="base" latinLnBrk="0" hangingPunct="0">
-              <a:lnSpc>
-                <a:spcPct val="100000"/>
-              </a:lnSpc>
-              <a:spcBef>
-                <a:spcPct val="30000"/>
-              </a:spcBef>
-              <a:spcAft>
-                <a:spcPct val="0"/>
-              </a:spcAft>
-              <a:buClrTx/>
-              <a:buSzTx/>
-              <a:buFontTx/>
-              <a:buNone/>
-              <a:tabLst/>
-              <a:defRPr/>
-            </a:pPr>
-            <a:r>
-              <a:rPr lang="zh-CN" altLang="en-US" dirty="0" smtClean="0"/>
-              <a:t>对于一些高层次的抽象概念，如一幅关于节日的图像所表达出的欢乐和喜庆的感觉等，更需要根据人的知识来判断。</a:t>
-            </a:r>
-          </a:p>
-          <a:p>
-            <a:endParaRPr lang="zh-CN" altLang="en-US" dirty="0"/>
-          </a:p>
-        </p:txBody>
-      </p:sp>
-      <p:sp>
-        <p:nvSpPr>
-          <p:cNvPr id="4" name="Slide Number Placeholder 3"/>
-          <p:cNvSpPr>
-            <a:spLocks noGrp="1"/>
-          </p:cNvSpPr>
-          <p:nvPr>
-            <p:ph type="sldNum" sz="quarter" idx="10"/>
-          </p:nvPr>
-        </p:nvSpPr>
-        <p:spPr/>
-        <p:txBody>
-          <a:bodyPr/>
-          <a:lstStyle/>
-          <a:p>
-            <a:pPr>
-              <a:defRPr/>
-            </a:pPr>
-            <a:fld id="{B4C119E0-CEE4-4FF8-83B2-DC856A2C17CC}" type="slidenum">
-              <a:rPr lang="en-US" altLang="zh-CN" smtClean="0"/>
-              <a:pPr>
-                <a:defRPr/>
-              </a:pPr>
-              <a:t>25</a:t>
-            </a:fld>
-            <a:endParaRPr lang="en-US" altLang="zh-CN"/>
-          </a:p>
-        </p:txBody>
-      </p:sp>
-    </p:spTree>
-    <p:extLst>
-      <p:ext uri="{BB962C8B-B14F-4D97-AF65-F5344CB8AC3E}">
-        <p14:creationId xmlns:p14="http://schemas.microsoft.com/office/powerpoint/2010/main" val="1172923676"/>
-      </p:ext>
-    </p:extLst>
-  </p:cSld>
-  <p:clrMapOvr>
-    <a:masterClrMapping/>
-  </p:clrMapOvr>
-</p:notes>
-</file>
-
-<file path=ppt/notesSlides/notesSlide5.xml><?xml version="1.0" encoding="utf-8"?>
-<p:notes xmlns:a="http://schemas.openxmlformats.org/drawingml/2006/main" xmlns:r="http://schemas.openxmlformats.org/officeDocument/2006/relationships" xmlns:p="http://schemas.openxmlformats.org/presentationml/2006/main">
-  <p:cSld>
-    <p:spTree>
-      <p:nvGrpSpPr>
-        <p:cNvPr id="1" name=""/>
-        <p:cNvGrpSpPr/>
-        <p:nvPr/>
-      </p:nvGrpSpPr>
-      <p:grpSpPr>
-        <a:xfrm>
-          <a:off x="0" y="0"/>
-          <a:ext cx="0" cy="0"/>
-          <a:chOff x="0" y="0"/>
-          <a:chExt cx="0" cy="0"/>
-        </a:xfrm>
-      </p:grpSpPr>
-      <p:sp>
-        <p:nvSpPr>
-          <p:cNvPr id="2" name="Slide Image Placeholder 1"/>
-          <p:cNvSpPr>
-            <a:spLocks noGrp="1" noRot="1" noChangeAspect="1"/>
-          </p:cNvSpPr>
-          <p:nvPr>
-            <p:ph type="sldImg"/>
-          </p:nvPr>
-        </p:nvSpPr>
-        <p:spPr>
-          <a:xfrm>
-            <a:off x="1143000" y="685800"/>
-            <a:ext cx="4572000" cy="3429000"/>
-          </a:xfrm>
-        </p:spPr>
-      </p:sp>
-      <p:sp>
-        <p:nvSpPr>
-          <p:cNvPr id="3" name="Notes Placeholder 2"/>
-          <p:cNvSpPr>
-            <a:spLocks noGrp="1"/>
-          </p:cNvSpPr>
-          <p:nvPr>
-            <p:ph type="body" idx="1"/>
-          </p:nvPr>
-        </p:nvSpPr>
-        <p:spPr/>
-        <p:txBody>
-          <a:bodyPr/>
-          <a:lstStyle/>
-          <a:p>
-            <a:endParaRPr lang="en-US" altLang="zh-CN" dirty="0" smtClean="0"/>
-          </a:p>
-          <a:p>
-            <a:r>
-              <a:rPr lang="en-US" altLang="zh-CN" dirty="0" smtClean="0"/>
-              <a:t>Deep architectures can lead</a:t>
-            </a:r>
-          </a:p>
-          <a:p>
-            <a:r>
-              <a:rPr lang="en-US" altLang="zh-CN" dirty="0" smtClean="0"/>
-              <a:t>to abstract representations because more abstract concepts can</a:t>
-            </a:r>
-          </a:p>
-          <a:p>
-            <a:r>
-              <a:rPr lang="en-US" altLang="zh-CN" dirty="0" smtClean="0"/>
-              <a:t>often be constructed in terms of less abstract ones.</a:t>
-            </a:r>
-          </a:p>
-          <a:p>
-            <a:endParaRPr lang="en-US" altLang="zh-CN" dirty="0" smtClean="0"/>
-          </a:p>
-          <a:p>
-            <a:r>
-              <a:rPr lang="zh-CN" altLang="en-US" dirty="0" smtClean="0"/>
-              <a:t>深度：输入到输出之间的路径（信用分配）</a:t>
-            </a:r>
-          </a:p>
-          <a:p>
-            <a:r>
-              <a:rPr lang="zh-CN" altLang="en-US" dirty="0" smtClean="0"/>
-              <a:t>多层人工神经网络</a:t>
-            </a:r>
-          </a:p>
-          <a:p>
-            <a:r>
-              <a:rPr lang="zh-CN" altLang="en-US" dirty="0" smtClean="0"/>
-              <a:t>层数大于</a:t>
-            </a:r>
-            <a:r>
-              <a:rPr lang="en-US" altLang="zh-CN" dirty="0" smtClean="0"/>
-              <a:t>1</a:t>
-            </a:r>
-          </a:p>
-          <a:p>
-            <a:r>
-              <a:rPr lang="en-US" altLang="zh-CN" dirty="0" err="1" smtClean="0"/>
-              <a:t>Schmidhuber</a:t>
-            </a:r>
-            <a:r>
-              <a:rPr lang="en-US" altLang="zh-CN" dirty="0" smtClean="0"/>
-              <a:t>: 10 is sure deep</a:t>
-            </a:r>
-          </a:p>
-          <a:p>
-            <a:endParaRPr lang="zh-CN" altLang="en-US" dirty="0"/>
-          </a:p>
-        </p:txBody>
-      </p:sp>
-      <p:sp>
-        <p:nvSpPr>
-          <p:cNvPr id="4" name="Slide Number Placeholder 3"/>
-          <p:cNvSpPr>
-            <a:spLocks noGrp="1"/>
-          </p:cNvSpPr>
-          <p:nvPr>
-            <p:ph type="sldNum" sz="quarter" idx="10"/>
-          </p:nvPr>
-        </p:nvSpPr>
-        <p:spPr/>
-        <p:txBody>
-          <a:bodyPr/>
-          <a:lstStyle/>
-          <a:p>
-            <a:pPr>
-              <a:defRPr/>
-            </a:pPr>
-            <a:fld id="{B4C119E0-CEE4-4FF8-83B2-DC856A2C17CC}" type="slidenum">
-              <a:rPr lang="en-US" altLang="zh-CN" smtClean="0"/>
-              <a:pPr>
-                <a:defRPr/>
-              </a:pPr>
-              <a:t>28</a:t>
-            </a:fld>
-            <a:endParaRPr lang="en-US" altLang="zh-CN"/>
-          </a:p>
-        </p:txBody>
-      </p:sp>
-    </p:spTree>
-    <p:extLst>
-      <p:ext uri="{BB962C8B-B14F-4D97-AF65-F5344CB8AC3E}">
-        <p14:creationId xmlns:p14="http://schemas.microsoft.com/office/powerpoint/2010/main" val="368021655"/>
-      </p:ext>
-    </p:extLst>
-  </p:cSld>
-  <p:clrMapOvr>
-    <a:masterClrMapping/>
-  </p:clrMapOvr>
-</p:notes>
-</file>
-
 <file path=ppt/slideLayouts/slideLayout1.xml><?xml version="1.0" encoding="utf-8"?>
 <p:sldLayout xmlns:a="http://schemas.openxmlformats.org/drawingml/2006/main" xmlns:r="http://schemas.openxmlformats.org/officeDocument/2006/relationships" xmlns:p="http://schemas.openxmlformats.org/presentationml/2006/main" showMasterSp="0" preserve="1" userDrawn="1">
   <p:cSld name="Title Slide">
@@ -3115,14 +2723,14 @@
           </a:ln>
           <a:extLst>
             <a:ext uri="{909E8E84-426E-40dd-AFC4-6F175D3DCCD1}">
-              <a14:hiddenFill xmlns="" xmlns:a14="http://schemas.microsoft.com/office/drawing/2010/main">
+              <a14:hiddenFill xmlns:a14="http://schemas.microsoft.com/office/drawing/2010/main" xmlns="">
                 <a:solidFill>
                   <a:srgbClr val="FFFFFF"/>
                 </a:solidFill>
               </a14:hiddenFill>
             </a:ext>
             <a:ext uri="{91240B29-F687-4f45-9708-019B960494DF}">
-              <a14:hiddenLine xmlns="" xmlns:a14="http://schemas.microsoft.com/office/drawing/2010/main" w="9525">
+              <a14:hiddenLine xmlns:a14="http://schemas.microsoft.com/office/drawing/2010/main" xmlns="" w="9525">
                 <a:solidFill>
                   <a:srgbClr val="000000"/>
                 </a:solidFill>
@@ -3173,14 +2781,14 @@
           </a:ln>
           <a:extLst>
             <a:ext uri="{909E8E84-426E-40dd-AFC4-6F175D3DCCD1}">
-              <a14:hiddenFill xmlns="" xmlns:a14="http://schemas.microsoft.com/office/drawing/2010/main">
+              <a14:hiddenFill xmlns:a14="http://schemas.microsoft.com/office/drawing/2010/main" xmlns="">
                 <a:solidFill>
                   <a:srgbClr val="FFFFFF"/>
                 </a:solidFill>
               </a14:hiddenFill>
             </a:ext>
             <a:ext uri="{91240B29-F687-4f45-9708-019B960494DF}">
-              <a14:hiddenLine xmlns="" xmlns:a14="http://schemas.microsoft.com/office/drawing/2010/main" w="9525">
+              <a14:hiddenLine xmlns:a14="http://schemas.microsoft.com/office/drawing/2010/main" xmlns="" w="9525">
                 <a:solidFill>
                   <a:srgbClr val="000000"/>
                 </a:solidFill>
@@ -3263,7 +2871,7 @@
           </a:ln>
           <a:extLst>
             <a:ext uri="{909E8E84-426E-40dd-AFC4-6F175D3DCCD1}">
-              <a14:hiddenFill xmlns="" xmlns:a14="http://schemas.microsoft.com/office/drawing/2010/main">
+              <a14:hiddenFill xmlns:a14="http://schemas.microsoft.com/office/drawing/2010/main" xmlns="">
                 <a:noFill/>
               </a14:hiddenFill>
             </a:ext>
@@ -3305,7 +2913,7 @@
           </a:ln>
           <a:extLst>
             <a:ext uri="{909E8E84-426E-40dd-AFC4-6F175D3DCCD1}">
-              <a14:hiddenFill xmlns="" xmlns:a14="http://schemas.microsoft.com/office/drawing/2010/main">
+              <a14:hiddenFill xmlns:a14="http://schemas.microsoft.com/office/drawing/2010/main" xmlns="">
                 <a:noFill/>
               </a14:hiddenFill>
             </a:ext>
@@ -4029,7 +3637,6 @@
               <a:rPr lang="zh-CN" altLang="en-US" dirty="0"/>
               <a:t>线性模型</a:t>
             </a:r>
-            <a:endParaRPr lang="zh-CN" altLang="en-US" dirty="0"/>
           </a:p>
         </p:txBody>
       </p:sp>
@@ -12009,1137 +11616,6 @@
       </p:grpSpPr>
       <p:sp>
         <p:nvSpPr>
-          <p:cNvPr id="2" name="标题 1"/>
-          <p:cNvSpPr>
-            <a:spLocks noGrp="1"/>
-          </p:cNvSpPr>
-          <p:nvPr>
-            <p:ph type="title"/>
-          </p:nvPr>
-        </p:nvSpPr>
-        <p:spPr/>
-        <p:txBody>
-          <a:bodyPr/>
-          <a:lstStyle/>
-          <a:p>
-            <a:r>
-              <a:rPr lang="zh-CN" altLang="en-US" smtClean="0"/>
-              <a:t>特征工程问题</a:t>
-            </a:r>
-            <a:endParaRPr lang="zh-CN" altLang="en-US" dirty="0"/>
-          </a:p>
-        </p:txBody>
-      </p:sp>
-      <p:sp>
-        <p:nvSpPr>
-          <p:cNvPr id="3" name="内容占位符 2"/>
-          <p:cNvSpPr>
-            <a:spLocks noGrp="1"/>
-          </p:cNvSpPr>
-          <p:nvPr>
-            <p:ph sz="quarter" idx="1"/>
-          </p:nvPr>
-        </p:nvSpPr>
-        <p:spPr>
-          <a:xfrm>
-            <a:off x="457200" y="1234440"/>
-            <a:ext cx="8229600" cy="4937760"/>
-          </a:xfrm>
-        </p:spPr>
-        <p:txBody>
-          <a:bodyPr/>
-          <a:lstStyle/>
-          <a:p>
-            <a:r>
-              <a:rPr lang="zh-CN" altLang="en-US" dirty="0" smtClean="0"/>
-              <a:t>在实际应用中，</a:t>
-            </a:r>
-            <a:r>
-              <a:rPr lang="zh-CN" altLang="en-US" dirty="0" smtClean="0">
-                <a:solidFill>
-                  <a:srgbClr val="FF0000"/>
-                </a:solidFill>
-              </a:rPr>
-              <a:t>特征</a:t>
-            </a:r>
-            <a:r>
-              <a:rPr lang="zh-CN" altLang="en-US" dirty="0" smtClean="0"/>
-              <a:t>往往比分类器更重要</a:t>
-            </a:r>
-            <a:endParaRPr lang="en-US" altLang="zh-CN" dirty="0" smtClean="0"/>
-          </a:p>
-          <a:p>
-            <a:pPr lvl="1"/>
-            <a:r>
-              <a:rPr lang="zh-CN" altLang="en-US" sz="2000" dirty="0"/>
-              <a:t>预处理：经过数据的预处理，如去除噪声等。比如在文本分类中，去除</a:t>
-            </a:r>
-            <a:r>
-              <a:rPr lang="zh-CN" altLang="en-US" sz="2000" dirty="0" smtClean="0"/>
-              <a:t>停用</a:t>
-            </a:r>
-            <a:r>
-              <a:rPr lang="zh-CN" altLang="en-US" sz="2000" dirty="0"/>
-              <a:t>词等</a:t>
-            </a:r>
-            <a:r>
-              <a:rPr lang="zh-CN" altLang="en-US" sz="2000" dirty="0" smtClean="0"/>
-              <a:t>。</a:t>
-            </a:r>
-            <a:endParaRPr lang="en-US" altLang="zh-CN" sz="2000" dirty="0" smtClean="0"/>
-          </a:p>
-          <a:p>
-            <a:pPr lvl="1"/>
-            <a:r>
-              <a:rPr lang="zh-CN" altLang="en-US" sz="2000" dirty="0"/>
-              <a:t>特征提取：从原始数据中提取一些有效的特征。比如在图像分类中，</a:t>
-            </a:r>
-            <a:r>
-              <a:rPr lang="zh-CN" altLang="en-US" sz="2000" dirty="0" smtClean="0"/>
-              <a:t>提取边缘</a:t>
-            </a:r>
-            <a:r>
-              <a:rPr lang="zh-CN" altLang="en-US" sz="2000" dirty="0"/>
-              <a:t>、尺度不变特征</a:t>
-            </a:r>
-            <a:r>
-              <a:rPr lang="zh-CN" altLang="en-US" sz="2000" dirty="0" smtClean="0"/>
-              <a:t>变换特征</a:t>
-            </a:r>
-            <a:r>
-              <a:rPr lang="zh-CN" altLang="en-US" sz="2000" dirty="0"/>
-              <a:t>等。</a:t>
-            </a:r>
-          </a:p>
-          <a:p>
-            <a:pPr lvl="1"/>
-            <a:r>
-              <a:rPr lang="zh-CN" altLang="en-US" sz="2000" dirty="0"/>
-              <a:t>特征转换：对特征进行一定的加工，比如降维和升维。降维</a:t>
-            </a:r>
-            <a:r>
-              <a:rPr lang="zh-CN" altLang="en-US" sz="2000" dirty="0" smtClean="0"/>
-              <a:t>包括</a:t>
-            </a:r>
-            <a:endParaRPr lang="en-US" altLang="zh-CN" sz="2000" dirty="0" smtClean="0"/>
-          </a:p>
-          <a:p>
-            <a:pPr lvl="2"/>
-            <a:r>
-              <a:rPr lang="zh-CN" altLang="en-US" sz="1800" dirty="0" smtClean="0"/>
-              <a:t>特征抽取（</a:t>
-            </a:r>
-            <a:r>
-              <a:rPr lang="en-US" altLang="zh-CN" sz="1800" dirty="0"/>
-              <a:t>Feature Extraction</a:t>
-            </a:r>
-            <a:r>
-              <a:rPr lang="zh-CN" altLang="en-US" sz="1800" dirty="0" smtClean="0"/>
-              <a:t>）：</a:t>
-            </a:r>
-            <a:r>
-              <a:rPr lang="en-US" altLang="zh-CN" sz="1800" dirty="0"/>
-              <a:t> PCA</a:t>
-            </a:r>
-            <a:r>
-              <a:rPr lang="zh-CN" altLang="en-US" sz="1800" dirty="0"/>
-              <a:t>、</a:t>
-            </a:r>
-            <a:r>
-              <a:rPr lang="en-US" altLang="zh-CN" sz="1800" dirty="0"/>
-              <a:t>LDA</a:t>
-            </a:r>
-            <a:endParaRPr lang="en-US" altLang="zh-CN" sz="1800" dirty="0" smtClean="0"/>
-          </a:p>
-          <a:p>
-            <a:pPr lvl="2"/>
-            <a:r>
-              <a:rPr lang="zh-CN" altLang="en-US" sz="1800" dirty="0" smtClean="0"/>
-              <a:t>特征选择</a:t>
-            </a:r>
-            <a:r>
-              <a:rPr lang="zh-CN" altLang="en-US" sz="1800" dirty="0"/>
-              <a:t>（</a:t>
-            </a:r>
-            <a:r>
-              <a:rPr lang="en-US" altLang="zh-CN" sz="1800" dirty="0"/>
-              <a:t>Feature Selection</a:t>
-            </a:r>
-            <a:r>
-              <a:rPr lang="zh-CN" altLang="en-US" sz="1800" dirty="0" smtClean="0"/>
-              <a:t>）：互信息、</a:t>
-            </a:r>
-            <a:r>
-              <a:rPr lang="en-US" altLang="zh-CN" sz="1800" dirty="0" smtClean="0"/>
-              <a:t>TF-IDF</a:t>
-            </a:r>
-            <a:endParaRPr lang="zh-CN" altLang="en-US" sz="1800" dirty="0"/>
-          </a:p>
-        </p:txBody>
-      </p:sp>
-      <p:pic>
-        <p:nvPicPr>
-          <p:cNvPr id="5" name="图片 4"/>
-          <p:cNvPicPr>
-            <a:picLocks noChangeAspect="1"/>
-          </p:cNvPicPr>
-          <p:nvPr/>
-        </p:nvPicPr>
-        <p:blipFill>
-          <a:blip r:embed="rId3"/>
-          <a:stretch>
-            <a:fillRect/>
-          </a:stretch>
-        </p:blipFill>
-        <p:spPr>
-          <a:xfrm>
-            <a:off x="45552" y="4587966"/>
-            <a:ext cx="8606079" cy="1572511"/>
-          </a:xfrm>
-          <a:prstGeom prst="rect">
-            <a:avLst/>
-          </a:prstGeom>
-        </p:spPr>
-      </p:pic>
-      <p:sp>
-        <p:nvSpPr>
-          <p:cNvPr id="7" name="矩形 6"/>
-          <p:cNvSpPr/>
-          <p:nvPr/>
-        </p:nvSpPr>
-        <p:spPr>
-          <a:xfrm>
-            <a:off x="1219200" y="4352778"/>
-            <a:ext cx="5029200" cy="1905000"/>
-          </a:xfrm>
-          <a:prstGeom prst="rect">
-            <a:avLst/>
-          </a:prstGeom>
-          <a:noFill/>
-          <a:ln>
-            <a:solidFill>
-              <a:schemeClr val="accent3"/>
-            </a:solidFill>
-          </a:ln>
-        </p:spPr>
-        <p:txBody>
-          <a:bodyPr wrap="square" rtlCol="0" anchor="ctr">
-            <a:spAutoFit/>
-          </a:bodyPr>
-          <a:lstStyle/>
-          <a:p>
-            <a:pPr algn="ctr"/>
-            <a:endParaRPr lang="zh-CN" altLang="en-US" sz="2400" dirty="0"/>
-          </a:p>
-        </p:txBody>
-      </p:sp>
-    </p:spTree>
-    <p:extLst>
-      <p:ext uri="{BB962C8B-B14F-4D97-AF65-F5344CB8AC3E}">
-        <p14:creationId xmlns:p14="http://schemas.microsoft.com/office/powerpoint/2010/main" val="886608947"/>
-      </p:ext>
-    </p:extLst>
-  </p:cSld>
-  <p:clrMapOvr>
-    <a:masterClrMapping/>
-  </p:clrMapOvr>
-  <p:timing>
-    <p:tnLst>
-      <p:par>
-        <p:cTn id="1" dur="indefinite" restart="never" nodeType="tmRoot"/>
-      </p:par>
-    </p:tnLst>
-  </p:timing>
-</p:sld>
-</file>
-
-<file path=ppt/slides/slide25.xml><?xml version="1.0" encoding="utf-8"?>
-<p:sld xmlns:a="http://schemas.openxmlformats.org/drawingml/2006/main" xmlns:r="http://schemas.openxmlformats.org/officeDocument/2006/relationships" xmlns:p="http://schemas.openxmlformats.org/presentationml/2006/main">
-  <p:cSld>
-    <p:spTree>
-      <p:nvGrpSpPr>
-        <p:cNvPr id="1" name=""/>
-        <p:cNvGrpSpPr/>
-        <p:nvPr/>
-      </p:nvGrpSpPr>
-      <p:grpSpPr>
-        <a:xfrm>
-          <a:off x="0" y="0"/>
-          <a:ext cx="0" cy="0"/>
-          <a:chOff x="0" y="0"/>
-          <a:chExt cx="0" cy="0"/>
-        </a:xfrm>
-      </p:grpSpPr>
-      <p:sp>
-        <p:nvSpPr>
-          <p:cNvPr id="2" name="Title 1"/>
-          <p:cNvSpPr>
-            <a:spLocks noGrp="1"/>
-          </p:cNvSpPr>
-          <p:nvPr>
-            <p:ph type="title"/>
-          </p:nvPr>
-        </p:nvSpPr>
-        <p:spPr/>
-        <p:txBody>
-          <a:bodyPr/>
-          <a:lstStyle/>
-          <a:p>
-            <a:r>
-              <a:rPr lang="zh-CN" altLang="en-US" smtClean="0"/>
-              <a:t>背后的难点之一：语义鸿沟</a:t>
-            </a:r>
-            <a:endParaRPr lang="zh-CN" altLang="en-US" dirty="0"/>
-          </a:p>
-        </p:txBody>
-      </p:sp>
-      <p:sp>
-        <p:nvSpPr>
-          <p:cNvPr id="3" name="Content Placeholder 2"/>
-          <p:cNvSpPr>
-            <a:spLocks noGrp="1"/>
-          </p:cNvSpPr>
-          <p:nvPr>
-            <p:ph sz="quarter" idx="1"/>
-          </p:nvPr>
-        </p:nvSpPr>
-        <p:spPr/>
-        <p:txBody>
-          <a:bodyPr/>
-          <a:lstStyle/>
-          <a:p>
-            <a:r>
-              <a:rPr lang="zh-CN" altLang="en-US" dirty="0" smtClean="0"/>
-              <a:t>底层特征 </a:t>
-            </a:r>
-            <a:r>
-              <a:rPr lang="en-US" altLang="zh-CN" dirty="0" smtClean="0"/>
-              <a:t>VS </a:t>
-            </a:r>
-            <a:r>
-              <a:rPr lang="zh-CN" altLang="en-US" dirty="0" smtClean="0"/>
-              <a:t>高层语义</a:t>
-            </a:r>
-            <a:endParaRPr lang="en-US" altLang="zh-CN" dirty="0" smtClean="0"/>
-          </a:p>
-          <a:p>
-            <a:pPr lvl="1"/>
-            <a:r>
-              <a:rPr lang="zh-CN" altLang="en-US" dirty="0" smtClean="0"/>
-              <a:t>人们对文本、图像的理解无法从字符串或者图像的底层特征直接获得</a:t>
-            </a:r>
-            <a:endParaRPr lang="zh-CN" altLang="en-US" dirty="0"/>
-          </a:p>
-        </p:txBody>
-      </p:sp>
-      <p:pic>
-        <p:nvPicPr>
-          <p:cNvPr id="5" name="Picture 4"/>
-          <p:cNvPicPr>
-            <a:picLocks noChangeAspect="1"/>
-          </p:cNvPicPr>
-          <p:nvPr/>
-        </p:nvPicPr>
-        <p:blipFill>
-          <a:blip r:embed="rId3" cstate="screen">
-            <a:extLst>
-              <a:ext uri="{28A0092B-C50C-407E-A947-70E740481C1C}">
-                <a14:useLocalDpi xmlns:a14="http://schemas.microsoft.com/office/drawing/2010/main"/>
-              </a:ext>
-            </a:extLst>
-          </a:blip>
-          <a:stretch>
-            <a:fillRect/>
-          </a:stretch>
-        </p:blipFill>
-        <p:spPr>
-          <a:xfrm>
-            <a:off x="5410200" y="1219200"/>
-            <a:ext cx="1647587" cy="2105406"/>
-          </a:xfrm>
-          <a:prstGeom prst="rect">
-            <a:avLst/>
-          </a:prstGeom>
-        </p:spPr>
-      </p:pic>
-      <p:pic>
-        <p:nvPicPr>
-          <p:cNvPr id="6" name="Picture 5"/>
-          <p:cNvPicPr>
-            <a:picLocks noChangeAspect="1"/>
-          </p:cNvPicPr>
-          <p:nvPr/>
-        </p:nvPicPr>
-        <p:blipFill>
-          <a:blip r:embed="rId4" cstate="screen">
-            <a:extLst>
-              <a:ext uri="{28A0092B-C50C-407E-A947-70E740481C1C}">
-                <a14:useLocalDpi xmlns:a14="http://schemas.microsoft.com/office/drawing/2010/main"/>
-              </a:ext>
-            </a:extLst>
-          </a:blip>
-          <a:stretch>
-            <a:fillRect/>
-          </a:stretch>
-        </p:blipFill>
-        <p:spPr>
-          <a:xfrm>
-            <a:off x="7057787" y="1473203"/>
-            <a:ext cx="2057400" cy="1597400"/>
-          </a:xfrm>
-          <a:prstGeom prst="rect">
-            <a:avLst/>
-          </a:prstGeom>
-        </p:spPr>
-      </p:pic>
-      <p:sp>
-        <p:nvSpPr>
-          <p:cNvPr id="8" name="Rectangle 7"/>
-          <p:cNvSpPr/>
-          <p:nvPr/>
-        </p:nvSpPr>
-        <p:spPr>
-          <a:xfrm>
-            <a:off x="6400800" y="3647967"/>
-            <a:ext cx="2057401" cy="2308324"/>
-          </a:xfrm>
-          <a:prstGeom prst="rect">
-            <a:avLst/>
-          </a:prstGeom>
-        </p:spPr>
-        <p:txBody>
-          <a:bodyPr wrap="square">
-            <a:spAutoFit/>
-          </a:bodyPr>
-          <a:lstStyle/>
-          <a:p>
-            <a:pPr algn="dist">
-              <a:lnSpc>
-                <a:spcPct val="150000"/>
-              </a:lnSpc>
-            </a:pPr>
-            <a:r>
-              <a:rPr lang="zh-CN" altLang="en-US" sz="2400" dirty="0">
-                <a:latin typeface="+mj-ea"/>
-                <a:ea typeface="+mj-ea"/>
-              </a:rPr>
-              <a:t>床前明月光，</a:t>
-            </a:r>
-          </a:p>
-          <a:p>
-            <a:pPr algn="dist">
-              <a:lnSpc>
-                <a:spcPct val="150000"/>
-              </a:lnSpc>
-            </a:pPr>
-            <a:r>
-              <a:rPr lang="zh-CN" altLang="en-US" sz="2400" dirty="0">
-                <a:latin typeface="+mj-ea"/>
-                <a:ea typeface="+mj-ea"/>
-              </a:rPr>
-              <a:t>疑是地上霜。</a:t>
-            </a:r>
-          </a:p>
-          <a:p>
-            <a:pPr algn="dist">
-              <a:lnSpc>
-                <a:spcPct val="150000"/>
-              </a:lnSpc>
-            </a:pPr>
-            <a:r>
-              <a:rPr lang="zh-CN" altLang="en-US" sz="2400" dirty="0">
-                <a:latin typeface="+mj-ea"/>
-                <a:ea typeface="+mj-ea"/>
-              </a:rPr>
-              <a:t>举头望明月，</a:t>
-            </a:r>
-          </a:p>
-          <a:p>
-            <a:pPr algn="dist">
-              <a:lnSpc>
-                <a:spcPct val="150000"/>
-              </a:lnSpc>
-            </a:pPr>
-            <a:r>
-              <a:rPr lang="zh-CN" altLang="en-US" sz="2400" dirty="0">
-                <a:latin typeface="+mj-ea"/>
-                <a:ea typeface="+mj-ea"/>
-              </a:rPr>
-              <a:t>低头思故乡。</a:t>
-            </a:r>
-          </a:p>
-        </p:txBody>
-      </p:sp>
-      <p:sp>
-        <p:nvSpPr>
-          <p:cNvPr id="10" name="文本框 9"/>
-          <p:cNvSpPr txBox="1"/>
-          <p:nvPr/>
-        </p:nvSpPr>
-        <p:spPr>
-          <a:xfrm>
-            <a:off x="1154585" y="4572000"/>
-            <a:ext cx="2646878" cy="830997"/>
-          </a:xfrm>
-          <a:prstGeom prst="rect">
-            <a:avLst/>
-          </a:prstGeom>
-          <a:noFill/>
-        </p:spPr>
-        <p:txBody>
-          <a:bodyPr wrap="none" rtlCol="0">
-            <a:spAutoFit/>
-          </a:bodyPr>
-          <a:lstStyle/>
-          <a:p>
-            <a:r>
-              <a:rPr lang="zh-CN" altLang="en-US" sz="4800" dirty="0" smtClean="0"/>
-              <a:t>表示学习</a:t>
-            </a:r>
-            <a:endParaRPr lang="zh-CN" altLang="en-US" sz="4800" dirty="0"/>
-          </a:p>
-        </p:txBody>
-      </p:sp>
-    </p:spTree>
-    <p:extLst>
-      <p:ext uri="{BB962C8B-B14F-4D97-AF65-F5344CB8AC3E}">
-        <p14:creationId xmlns:p14="http://schemas.microsoft.com/office/powerpoint/2010/main" val="871465401"/>
-      </p:ext>
-    </p:extLst>
-  </p:cSld>
-  <p:clrMapOvr>
-    <a:masterClrMapping/>
-  </p:clrMapOvr>
-  <p:timing>
-    <p:tnLst>
-      <p:par>
-        <p:cTn id="1" dur="indefinite" restart="never" nodeType="tmRoot">
-          <p:childTnLst>
-            <p:seq concurrent="1" nextAc="seek">
-              <p:cTn id="2" dur="indefinite" nodeType="mainSeq">
-                <p:childTnLst>
-                  <p:par>
-                    <p:cTn id="3" fill="hold">
-                      <p:stCondLst>
-                        <p:cond delay="indefinite"/>
-                      </p:stCondLst>
-                      <p:childTnLst>
-                        <p:par>
-                          <p:cTn id="4" fill="hold">
-                            <p:stCondLst>
-                              <p:cond delay="0"/>
-                            </p:stCondLst>
-                            <p:childTnLst>
-                              <p:par>
-                                <p:cTn id="5" presetID="1" presetClass="entr" presetSubtype="0" fill="hold" nodeType="clickEffect">
-                                  <p:stCondLst>
-                                    <p:cond delay="0"/>
-                                  </p:stCondLst>
-                                  <p:childTnLst>
-                                    <p:set>
-                                      <p:cBhvr>
-                                        <p:cTn id="6" dur="1" fill="hold">
-                                          <p:stCondLst>
-                                            <p:cond delay="0"/>
-                                          </p:stCondLst>
-                                        </p:cTn>
-                                        <p:tgtEl>
-                                          <p:spTgt spid="5"/>
-                                        </p:tgtEl>
-                                        <p:attrNameLst>
-                                          <p:attrName>style.visibility</p:attrName>
-                                        </p:attrNameLst>
-                                      </p:cBhvr>
-                                      <p:to>
-                                        <p:strVal val="visible"/>
-                                      </p:to>
-                                    </p:set>
-                                  </p:childTnLst>
-                                </p:cTn>
-                              </p:par>
-                            </p:childTnLst>
-                          </p:cTn>
-                        </p:par>
-                      </p:childTnLst>
-                    </p:cTn>
-                  </p:par>
-                  <p:par>
-                    <p:cTn id="7" fill="hold">
-                      <p:stCondLst>
-                        <p:cond delay="indefinite"/>
-                      </p:stCondLst>
-                      <p:childTnLst>
-                        <p:par>
-                          <p:cTn id="8" fill="hold">
-                            <p:stCondLst>
-                              <p:cond delay="0"/>
-                            </p:stCondLst>
-                            <p:childTnLst>
-                              <p:par>
-                                <p:cTn id="9" presetID="1" presetClass="entr" presetSubtype="0" fill="hold" nodeType="clickEffect">
-                                  <p:stCondLst>
-                                    <p:cond delay="0"/>
-                                  </p:stCondLst>
-                                  <p:childTnLst>
-                                    <p:set>
-                                      <p:cBhvr>
-                                        <p:cTn id="10" dur="1" fill="hold">
-                                          <p:stCondLst>
-                                            <p:cond delay="0"/>
-                                          </p:stCondLst>
-                                        </p:cTn>
-                                        <p:tgtEl>
-                                          <p:spTgt spid="6"/>
-                                        </p:tgtEl>
-                                        <p:attrNameLst>
-                                          <p:attrName>style.visibility</p:attrName>
-                                        </p:attrNameLst>
-                                      </p:cBhvr>
-                                      <p:to>
-                                        <p:strVal val="visible"/>
-                                      </p:to>
-                                    </p:set>
-                                  </p:childTnLst>
-                                </p:cTn>
-                              </p:par>
-                            </p:childTnLst>
-                          </p:cTn>
-                        </p:par>
-                      </p:childTnLst>
-                    </p:cTn>
-                  </p:par>
-                  <p:par>
-                    <p:cTn id="11" fill="hold">
-                      <p:stCondLst>
-                        <p:cond delay="indefinite"/>
-                      </p:stCondLst>
-                      <p:childTnLst>
-                        <p:par>
-                          <p:cTn id="12" fill="hold">
-                            <p:stCondLst>
-                              <p:cond delay="0"/>
-                            </p:stCondLst>
-                            <p:childTnLst>
-                              <p:par>
-                                <p:cTn id="13" presetID="1" presetClass="entr" presetSubtype="0" fill="hold" grpId="0" nodeType="clickEffect">
-                                  <p:stCondLst>
-                                    <p:cond delay="0"/>
-                                  </p:stCondLst>
-                                  <p:childTnLst>
-                                    <p:set>
-                                      <p:cBhvr>
-                                        <p:cTn id="14" dur="1" fill="hold">
-                                          <p:stCondLst>
-                                            <p:cond delay="0"/>
-                                          </p:stCondLst>
-                                        </p:cTn>
-                                        <p:tgtEl>
-                                          <p:spTgt spid="8"/>
-                                        </p:tgtEl>
-                                        <p:attrNameLst>
-                                          <p:attrName>style.visibility</p:attrName>
-                                        </p:attrNameLst>
-                                      </p:cBhvr>
-                                      <p:to>
-                                        <p:strVal val="visible"/>
-                                      </p:to>
-                                    </p:set>
-                                  </p:childTnLst>
-                                </p:cTn>
-                              </p:par>
-                            </p:childTnLst>
-                          </p:cTn>
-                        </p:par>
-                      </p:childTnLst>
-                    </p:cTn>
-                  </p:par>
-                  <p:par>
-                    <p:cTn id="15" fill="hold">
-                      <p:stCondLst>
-                        <p:cond delay="indefinite"/>
-                      </p:stCondLst>
-                      <p:childTnLst>
-                        <p:par>
-                          <p:cTn id="16" fill="hold">
-                            <p:stCondLst>
-                              <p:cond delay="0"/>
-                            </p:stCondLst>
-                            <p:childTnLst>
-                              <p:par>
-                                <p:cTn id="17" presetID="1" presetClass="entr" presetSubtype="0" fill="hold" grpId="0" nodeType="clickEffect">
-                                  <p:stCondLst>
-                                    <p:cond delay="0"/>
-                                  </p:stCondLst>
-                                  <p:childTnLst>
-                                    <p:set>
-                                      <p:cBhvr>
-                                        <p:cTn id="18" dur="1" fill="hold">
-                                          <p:stCondLst>
-                                            <p:cond delay="0"/>
-                                          </p:stCondLst>
-                                        </p:cTn>
-                                        <p:tgtEl>
-                                          <p:spTgt spid="10"/>
-                                        </p:tgtEl>
-                                        <p:attrNameLst>
-                                          <p:attrName>style.visibility</p:attrName>
-                                        </p:attrNameLst>
-                                      </p:cBhvr>
-                                      <p:to>
-                                        <p:strVal val="visible"/>
-                                      </p:to>
-                                    </p:set>
-                                  </p:childTnLst>
-                                </p:cTn>
-                              </p:par>
-                            </p:childTnLst>
-                          </p:cTn>
-                        </p:par>
-                      </p:childTnLst>
-                    </p:cTn>
-                  </p:par>
-                </p:childTnLst>
-              </p:cTn>
-              <p:prevCondLst>
-                <p:cond evt="onPrev" delay="0">
-                  <p:tgtEl>
-                    <p:sldTgt/>
-                  </p:tgtEl>
-                </p:cond>
-              </p:prevCondLst>
-              <p:nextCondLst>
-                <p:cond evt="onNext" delay="0">
-                  <p:tgtEl>
-                    <p:sldTgt/>
-                  </p:tgtEl>
-                </p:cond>
-              </p:nextCondLst>
-            </p:seq>
-          </p:childTnLst>
-        </p:cTn>
-      </p:par>
-    </p:tnLst>
-    <p:bldLst>
-      <p:bldP spid="8" grpId="0"/>
-      <p:bldP spid="10" grpId="0"/>
-    </p:bldLst>
-  </p:timing>
-</p:sld>
-</file>
-
-<file path=ppt/slides/slide26.xml><?xml version="1.0" encoding="utf-8"?>
-<p:sld xmlns:a="http://schemas.openxmlformats.org/drawingml/2006/main" xmlns:r="http://schemas.openxmlformats.org/officeDocument/2006/relationships" xmlns:p="http://schemas.openxmlformats.org/presentationml/2006/main">
-  <p:cSld>
-    <p:spTree>
-      <p:nvGrpSpPr>
-        <p:cNvPr id="1" name=""/>
-        <p:cNvGrpSpPr/>
-        <p:nvPr/>
-      </p:nvGrpSpPr>
-      <p:grpSpPr>
-        <a:xfrm>
-          <a:off x="0" y="0"/>
-          <a:ext cx="0" cy="0"/>
-          <a:chOff x="0" y="0"/>
-          <a:chExt cx="0" cy="0"/>
-        </a:xfrm>
-      </p:grpSpPr>
-      <p:sp>
-        <p:nvSpPr>
-          <p:cNvPr id="2" name="标题 1"/>
-          <p:cNvSpPr>
-            <a:spLocks noGrp="1"/>
-          </p:cNvSpPr>
-          <p:nvPr>
-            <p:ph type="ctrTitle"/>
-          </p:nvPr>
-        </p:nvSpPr>
-        <p:spPr/>
-        <p:txBody>
-          <a:bodyPr/>
-          <a:lstStyle/>
-          <a:p>
-            <a:r>
-              <a:rPr lang="zh-CN" altLang="en-US" dirty="0" smtClean="0"/>
-              <a:t>深度学习</a:t>
-            </a:r>
-            <a:endParaRPr lang="zh-CN" altLang="en-US" dirty="0"/>
-          </a:p>
-        </p:txBody>
-      </p:sp>
-    </p:spTree>
-    <p:extLst>
-      <p:ext uri="{BB962C8B-B14F-4D97-AF65-F5344CB8AC3E}">
-        <p14:creationId xmlns:p14="http://schemas.microsoft.com/office/powerpoint/2010/main" val="3519085794"/>
-      </p:ext>
-    </p:extLst>
-  </p:cSld>
-  <p:clrMapOvr>
-    <a:masterClrMapping/>
-  </p:clrMapOvr>
-  <p:timing>
-    <p:tnLst>
-      <p:par>
-        <p:cTn id="1" dur="indefinite" restart="never" nodeType="tmRoot"/>
-      </p:par>
-    </p:tnLst>
-  </p:timing>
-</p:sld>
-</file>
-
-<file path=ppt/slides/slide27.xml><?xml version="1.0" encoding="utf-8"?>
-<p:sld xmlns:a="http://schemas.openxmlformats.org/drawingml/2006/main" xmlns:r="http://schemas.openxmlformats.org/officeDocument/2006/relationships" xmlns:p="http://schemas.openxmlformats.org/presentationml/2006/main">
-  <p:cSld>
-    <p:spTree>
-      <p:nvGrpSpPr>
-        <p:cNvPr id="1" name=""/>
-        <p:cNvGrpSpPr/>
-        <p:nvPr/>
-      </p:nvGrpSpPr>
-      <p:grpSpPr>
-        <a:xfrm>
-          <a:off x="0" y="0"/>
-          <a:ext cx="0" cy="0"/>
-          <a:chOff x="0" y="0"/>
-          <a:chExt cx="0" cy="0"/>
-        </a:xfrm>
-      </p:grpSpPr>
-      <p:sp>
-        <p:nvSpPr>
-          <p:cNvPr id="2" name="标题 1"/>
-          <p:cNvSpPr>
-            <a:spLocks noGrp="1"/>
-          </p:cNvSpPr>
-          <p:nvPr>
-            <p:ph type="title"/>
-          </p:nvPr>
-        </p:nvSpPr>
-        <p:spPr/>
-        <p:txBody>
-          <a:bodyPr/>
-          <a:lstStyle/>
-          <a:p>
-            <a:r>
-              <a:rPr lang="zh-CN" altLang="en-US" dirty="0" smtClean="0"/>
-              <a:t>深度学习</a:t>
-            </a:r>
-            <a:endParaRPr lang="zh-CN" altLang="en-US" dirty="0"/>
-          </a:p>
-        </p:txBody>
-      </p:sp>
-      <p:sp>
-        <p:nvSpPr>
-          <p:cNvPr id="3" name="内容占位符 2"/>
-          <p:cNvSpPr>
-            <a:spLocks noGrp="1"/>
-          </p:cNvSpPr>
-          <p:nvPr>
-            <p:ph sz="quarter" idx="1"/>
-          </p:nvPr>
-        </p:nvSpPr>
-        <p:spPr/>
-        <p:txBody>
-          <a:bodyPr/>
-          <a:lstStyle/>
-          <a:p>
-            <a:r>
-              <a:rPr lang="zh-CN" altLang="en-US" dirty="0" smtClean="0"/>
-              <a:t>深度学习</a:t>
-            </a:r>
-            <a:r>
-              <a:rPr lang="en-US" altLang="zh-CN" dirty="0" smtClean="0"/>
-              <a:t>=</a:t>
-            </a:r>
-            <a:r>
-              <a:rPr lang="zh-CN" altLang="en-US" dirty="0" smtClean="0"/>
-              <a:t>表示学习</a:t>
-            </a:r>
-            <a:r>
-              <a:rPr lang="en-US" altLang="zh-CN" dirty="0" smtClean="0"/>
-              <a:t>+</a:t>
-            </a:r>
-            <a:r>
-              <a:rPr lang="zh-CN" altLang="en-US" dirty="0" smtClean="0"/>
-              <a:t>浅层学习</a:t>
-            </a:r>
-            <a:endParaRPr lang="en-US" altLang="zh-CN" dirty="0" smtClean="0"/>
-          </a:p>
-          <a:p>
-            <a:r>
-              <a:rPr lang="zh-CN" altLang="en-US" dirty="0" smtClean="0"/>
-              <a:t>难点：</a:t>
-            </a:r>
-            <a:r>
-              <a:rPr lang="zh-CN" altLang="en-US" dirty="0" smtClean="0">
-                <a:solidFill>
-                  <a:srgbClr val="FF0000"/>
-                </a:solidFill>
-              </a:rPr>
-              <a:t>贡献度分配问题</a:t>
-            </a:r>
-            <a:endParaRPr lang="zh-CN" altLang="en-US" dirty="0">
-              <a:solidFill>
-                <a:srgbClr val="FF0000"/>
-              </a:solidFill>
-            </a:endParaRPr>
-          </a:p>
-        </p:txBody>
-      </p:sp>
-      <p:pic>
-        <p:nvPicPr>
-          <p:cNvPr id="4" name="图片 3"/>
-          <p:cNvPicPr>
-            <a:picLocks noChangeAspect="1"/>
-          </p:cNvPicPr>
-          <p:nvPr/>
-        </p:nvPicPr>
-        <p:blipFill>
-          <a:blip r:embed="rId2"/>
-          <a:stretch>
-            <a:fillRect/>
-          </a:stretch>
-        </p:blipFill>
-        <p:spPr>
-          <a:xfrm>
-            <a:off x="209550" y="3276600"/>
-            <a:ext cx="8816340" cy="1981200"/>
-          </a:xfrm>
-          <a:prstGeom prst="rect">
-            <a:avLst/>
-          </a:prstGeom>
-        </p:spPr>
-      </p:pic>
-    </p:spTree>
-    <p:extLst>
-      <p:ext uri="{BB962C8B-B14F-4D97-AF65-F5344CB8AC3E}">
-        <p14:creationId xmlns:p14="http://schemas.microsoft.com/office/powerpoint/2010/main" val="324094213"/>
-      </p:ext>
-    </p:extLst>
-  </p:cSld>
-  <p:clrMapOvr>
-    <a:masterClrMapping/>
-  </p:clrMapOvr>
-  <p:timing>
-    <p:tnLst>
-      <p:par>
-        <p:cTn id="1" dur="indefinite" restart="never" nodeType="tmRoot"/>
-      </p:par>
-    </p:tnLst>
-  </p:timing>
-</p:sld>
-</file>
-
-<file path=ppt/slides/slide28.xml><?xml version="1.0" encoding="utf-8"?>
-<p:sld xmlns:a="http://schemas.openxmlformats.org/drawingml/2006/main" xmlns:r="http://schemas.openxmlformats.org/officeDocument/2006/relationships" xmlns:p="http://schemas.openxmlformats.org/presentationml/2006/main">
-  <p:cSld>
-    <p:spTree>
-      <p:nvGrpSpPr>
-        <p:cNvPr id="1" name=""/>
-        <p:cNvGrpSpPr/>
-        <p:nvPr/>
-      </p:nvGrpSpPr>
-      <p:grpSpPr>
-        <a:xfrm>
-          <a:off x="0" y="0"/>
-          <a:ext cx="0" cy="0"/>
-          <a:chOff x="0" y="0"/>
-          <a:chExt cx="0" cy="0"/>
-        </a:xfrm>
-      </p:grpSpPr>
-      <p:sp>
-        <p:nvSpPr>
-          <p:cNvPr id="2" name="Title 1"/>
-          <p:cNvSpPr>
-            <a:spLocks noGrp="1"/>
-          </p:cNvSpPr>
-          <p:nvPr>
-            <p:ph type="title"/>
-          </p:nvPr>
-        </p:nvSpPr>
-        <p:spPr/>
-        <p:txBody>
-          <a:bodyPr/>
-          <a:lstStyle/>
-          <a:p>
-            <a:r>
-              <a:rPr lang="zh-CN" altLang="en-US" dirty="0" smtClean="0"/>
-              <a:t>表示学习与深度学习</a:t>
-            </a:r>
-            <a:endParaRPr lang="zh-CN" altLang="en-US" dirty="0"/>
-          </a:p>
-        </p:txBody>
-      </p:sp>
-      <p:sp>
-        <p:nvSpPr>
-          <p:cNvPr id="3" name="Content Placeholder 2"/>
-          <p:cNvSpPr>
-            <a:spLocks noGrp="1"/>
-          </p:cNvSpPr>
-          <p:nvPr>
-            <p:ph sz="quarter" idx="1"/>
-          </p:nvPr>
-        </p:nvSpPr>
-        <p:spPr/>
-        <p:txBody>
-          <a:bodyPr/>
-          <a:lstStyle/>
-          <a:p>
-            <a:r>
-              <a:rPr lang="zh-CN" altLang="en-US" dirty="0" smtClean="0"/>
-              <a:t>一个好的表示学习策略必须具备一定的深度</a:t>
-            </a:r>
-            <a:endParaRPr lang="en-US" altLang="zh-CN" dirty="0" smtClean="0"/>
-          </a:p>
-          <a:p>
-            <a:pPr lvl="1"/>
-            <a:r>
-              <a:rPr lang="zh-CN" altLang="en-US" dirty="0" smtClean="0"/>
-              <a:t>特征重用</a:t>
-            </a:r>
-            <a:endParaRPr lang="en-US" altLang="zh-CN" dirty="0" smtClean="0"/>
-          </a:p>
-          <a:p>
-            <a:pPr lvl="2"/>
-            <a:r>
-              <a:rPr lang="zh-CN" altLang="en-US" dirty="0" smtClean="0"/>
-              <a:t>指数级的表示能力</a:t>
-            </a:r>
-            <a:endParaRPr lang="en-US" altLang="zh-CN" dirty="0" smtClean="0"/>
-          </a:p>
-          <a:p>
-            <a:pPr lvl="1"/>
-            <a:r>
-              <a:rPr lang="zh-CN" altLang="en-US" dirty="0" smtClean="0"/>
-              <a:t>抽象表示与</a:t>
-            </a:r>
-            <a:r>
-              <a:rPr lang="zh-CN" altLang="en-US" dirty="0"/>
-              <a:t>不变性</a:t>
-            </a:r>
-            <a:endParaRPr lang="en-US" altLang="zh-CN" dirty="0" smtClean="0"/>
-          </a:p>
-          <a:p>
-            <a:pPr lvl="2"/>
-            <a:r>
-              <a:rPr lang="zh-CN" altLang="en-US" dirty="0" smtClean="0"/>
-              <a:t>抽象表示需要多步的构造</a:t>
-            </a:r>
-            <a:endParaRPr lang="en-US" altLang="zh-CN" dirty="0" smtClean="0"/>
-          </a:p>
-          <a:p>
-            <a:pPr lvl="2"/>
-            <a:endParaRPr lang="zh-CN" altLang="en-US" dirty="0"/>
-          </a:p>
-        </p:txBody>
-      </p:sp>
-      <p:sp>
-        <p:nvSpPr>
-          <p:cNvPr id="4" name="Rectangle 3"/>
-          <p:cNvSpPr/>
-          <p:nvPr/>
-        </p:nvSpPr>
-        <p:spPr>
-          <a:xfrm>
-            <a:off x="1485900" y="5278763"/>
-            <a:ext cx="6515100" cy="415498"/>
-          </a:xfrm>
-          <a:prstGeom prst="rect">
-            <a:avLst/>
-          </a:prstGeom>
-        </p:spPr>
-        <p:txBody>
-          <a:bodyPr wrap="square">
-            <a:spAutoFit/>
-          </a:bodyPr>
-          <a:lstStyle/>
-          <a:p>
-            <a:r>
-              <a:rPr lang="zh-CN" altLang="en-US" sz="1050" dirty="0"/>
-              <a:t>https://mathteachingstrategies.wordpress.com/2008/11/24/concrete-and-abstract-representations-using-mathematical-tools/</a:t>
-            </a:r>
-          </a:p>
-        </p:txBody>
-      </p:sp>
-      <p:pic>
-        <p:nvPicPr>
-          <p:cNvPr id="6" name="Picture 2" descr="CRA Problem Example "/>
-          <p:cNvPicPr>
-            <a:picLocks noChangeAspect="1" noChangeArrowheads="1"/>
-          </p:cNvPicPr>
-          <p:nvPr/>
-        </p:nvPicPr>
-        <p:blipFill>
-          <a:blip r:embed="rId3">
-            <a:extLst>
-              <a:ext uri="{28A0092B-C50C-407E-A947-70E740481C1C}">
-                <a14:useLocalDpi xmlns:a14="http://schemas.microsoft.com/office/drawing/2010/main"/>
-              </a:ext>
-            </a:extLst>
-          </a:blip>
-          <a:srcRect/>
-          <a:stretch>
-            <a:fillRect/>
-          </a:stretch>
-        </p:blipFill>
-        <p:spPr bwMode="auto">
-          <a:xfrm>
-            <a:off x="2593468" y="3663236"/>
-            <a:ext cx="4439024" cy="1558377"/>
-          </a:xfrm>
-          <a:prstGeom prst="rect">
-            <a:avLst/>
-          </a:prstGeom>
-          <a:noFill/>
-          <a:extLst>
-            <a:ext uri="{909E8E84-426E-40DD-AFC4-6F175D3DCCD1}">
-              <a14:hiddenFill xmlns:a14="http://schemas.microsoft.com/office/drawing/2010/main">
-                <a:solidFill>
-                  <a:srgbClr val="FFFFFF"/>
-                </a:solidFill>
-              </a14:hiddenFill>
-            </a:ext>
-          </a:extLst>
-        </p:spPr>
-      </p:pic>
-    </p:spTree>
-    <p:extLst>
-      <p:ext uri="{BB962C8B-B14F-4D97-AF65-F5344CB8AC3E}">
-        <p14:creationId xmlns:p14="http://schemas.microsoft.com/office/powerpoint/2010/main" val="4136548811"/>
-      </p:ext>
-    </p:extLst>
-  </p:cSld>
-  <p:clrMapOvr>
-    <a:masterClrMapping/>
-  </p:clrMapOvr>
-  <p:timing>
-    <p:tnLst>
-      <p:par>
-        <p:cTn id="1" dur="indefinite" restart="never" nodeType="tmRoot"/>
-      </p:par>
-    </p:tnLst>
-  </p:timing>
-</p:sld>
-</file>
-
-<file path=ppt/slides/slide29.xml><?xml version="1.0" encoding="utf-8"?>
-<p:sld xmlns:a="http://schemas.openxmlformats.org/drawingml/2006/main" xmlns:r="http://schemas.openxmlformats.org/officeDocument/2006/relationships" xmlns:p="http://schemas.openxmlformats.org/presentationml/2006/main">
-  <p:cSld>
-    <p:spTree>
-      <p:nvGrpSpPr>
-        <p:cNvPr id="1" name=""/>
-        <p:cNvGrpSpPr/>
-        <p:nvPr/>
-      </p:nvGrpSpPr>
-      <p:grpSpPr>
-        <a:xfrm>
-          <a:off x="0" y="0"/>
-          <a:ext cx="0" cy="0"/>
-          <a:chOff x="0" y="0"/>
-          <a:chExt cx="0" cy="0"/>
-        </a:xfrm>
-      </p:grpSpPr>
-      <p:sp>
-        <p:nvSpPr>
           <p:cNvPr id="2" name="矩形 1"/>
           <p:cNvSpPr/>
           <p:nvPr/>

--- a/ppt/chap-线性模型.pptx
+++ b/ppt/chap-线性模型.pptx
@@ -30,8 +30,8 @@
     <p:sldId id="455" r:id="rId21"/>
     <p:sldId id="456" r:id="rId22"/>
     <p:sldId id="457" r:id="rId23"/>
-    <p:sldId id="458" r:id="rId24"/>
-    <p:sldId id="459" r:id="rId25"/>
+    <p:sldId id="459" r:id="rId24"/>
+    <p:sldId id="458" r:id="rId25"/>
     <p:sldId id="447" r:id="rId26"/>
   </p:sldIdLst>
   <p:sldSz cx="9144000" cy="6858000" type="screen4x3"/>
@@ -188,8 +188,8 @@
             <p14:sldId id="455"/>
             <p14:sldId id="456"/>
             <p14:sldId id="457"/>
+            <p14:sldId id="459"/>
             <p14:sldId id="458"/>
-            <p14:sldId id="459"/>
             <p14:sldId id="447"/>
           </p14:sldIdLst>
         </p14:section>
@@ -319,7 +319,7 @@
               <a:pPr>
                 <a:defRPr/>
               </a:pPr>
-              <a:t>3/8/2019</a:t>
+              <a:t>3/15/2019</a:t>
             </a:fld>
             <a:endParaRPr lang="en-US" altLang="zh-CN"/>
           </a:p>
@@ -2660,15 +2660,15 @@
             <a:noFill/>
           </a:ln>
           <a:extLst>
-            <a:ext uri="{909E8E84-426E-40dd-AFC4-6F175D3DCCD1}">
-              <a14:hiddenFill xmlns="" xmlns:a14="http://schemas.microsoft.com/office/drawing/2010/main">
+            <a:ext uri="{909E8E84-426E-40DD-AFC4-6F175D3DCCD1}">
+              <a14:hiddenFill xmlns:a14="http://schemas.microsoft.com/office/drawing/2010/main">
                 <a:solidFill>
                   <a:srgbClr val="FFFFFF"/>
                 </a:solidFill>
               </a14:hiddenFill>
             </a:ext>
-            <a:ext uri="{91240B29-F687-4f45-9708-019B960494DF}">
-              <a14:hiddenLine xmlns="" xmlns:a14="http://schemas.microsoft.com/office/drawing/2010/main" w="9525">
+            <a:ext uri="{91240B29-F687-4F45-9708-019B960494DF}">
+              <a14:hiddenLine xmlns:a14="http://schemas.microsoft.com/office/drawing/2010/main" w="9525">
                 <a:solidFill>
                   <a:srgbClr val="000000"/>
                 </a:solidFill>
@@ -2718,15 +2718,15 @@
             <a:noFill/>
           </a:ln>
           <a:extLst>
-            <a:ext uri="{909E8E84-426E-40dd-AFC4-6F175D3DCCD1}">
-              <a14:hiddenFill xmlns="" xmlns:a14="http://schemas.microsoft.com/office/drawing/2010/main">
+            <a:ext uri="{909E8E84-426E-40DD-AFC4-6F175D3DCCD1}">
+              <a14:hiddenFill xmlns:a14="http://schemas.microsoft.com/office/drawing/2010/main">
                 <a:solidFill>
                   <a:srgbClr val="FFFFFF"/>
                 </a:solidFill>
               </a14:hiddenFill>
             </a:ext>
-            <a:ext uri="{91240B29-F687-4f45-9708-019B960494DF}">
-              <a14:hiddenLine xmlns="" xmlns:a14="http://schemas.microsoft.com/office/drawing/2010/main" w="9525">
+            <a:ext uri="{91240B29-F687-4F45-9708-019B960494DF}">
+              <a14:hiddenLine xmlns:a14="http://schemas.microsoft.com/office/drawing/2010/main" w="9525">
                 <a:solidFill>
                   <a:srgbClr val="000000"/>
                 </a:solidFill>
@@ -2808,8 +2808,8 @@
             <a:tailEnd/>
           </a:ln>
           <a:extLst>
-            <a:ext uri="{909E8E84-426E-40dd-AFC4-6F175D3DCCD1}">
-              <a14:hiddenFill xmlns="" xmlns:a14="http://schemas.microsoft.com/office/drawing/2010/main">
+            <a:ext uri="{909E8E84-426E-40DD-AFC4-6F175D3DCCD1}">
+              <a14:hiddenFill xmlns:a14="http://schemas.microsoft.com/office/drawing/2010/main">
                 <a:noFill/>
               </a14:hiddenFill>
             </a:ext>
@@ -2850,8 +2850,8 @@
             <a:tailEnd/>
           </a:ln>
           <a:extLst>
-            <a:ext uri="{909E8E84-426E-40dd-AFC4-6F175D3DCCD1}">
-              <a14:hiddenFill xmlns="" xmlns:a14="http://schemas.microsoft.com/office/drawing/2010/main">
+            <a:ext uri="{909E8E84-426E-40DD-AFC4-6F175D3DCCD1}">
+              <a14:hiddenFill xmlns:a14="http://schemas.microsoft.com/office/drawing/2010/main">
                 <a:noFill/>
               </a14:hiddenFill>
             </a:ext>
@@ -7607,7 +7607,7 @@
         </p:blipFill>
         <p:spPr>
           <a:xfrm>
-            <a:off x="2133600" y="4114800"/>
+            <a:off x="2362200" y="4542550"/>
             <a:ext cx="4267200" cy="1630452"/>
           </a:xfrm>
           <a:prstGeom prst="rect">
@@ -8109,12 +8109,8 @@
           <a:p>
             <a:pPr lvl="1"/>
             <a:r>
-              <a:rPr lang="en-US" altLang="zh-CN" dirty="0" err="1"/>
-              <a:t>Logisitic</a:t>
-            </a:r>
-            <a:r>
               <a:rPr lang="en-US" altLang="zh-CN" dirty="0"/>
-              <a:t> Regression</a:t>
+              <a:t>Logistic Regression</a:t>
             </a:r>
           </a:p>
           <a:p>
@@ -8718,12 +8714,8 @@
           <a:lstStyle/>
           <a:p>
             <a:r>
-              <a:rPr lang="en-US" altLang="zh-CN" dirty="0"/>
-              <a:t>XOR</a:t>
-            </a:r>
-            <a:r>
               <a:rPr lang="zh-CN" altLang="en-US" dirty="0"/>
-              <a:t>问题</a:t>
+              <a:t>线性分类器小结</a:t>
             </a:r>
           </a:p>
         </p:txBody>
@@ -8752,15 +8744,15 @@
         </p:blipFill>
         <p:spPr>
           <a:xfrm>
-            <a:off x="956758" y="2092102"/>
-            <a:ext cx="7230484" cy="3191320"/>
+            <a:off x="1277472" y="1219200"/>
+            <a:ext cx="6589056" cy="4937125"/>
           </a:xfrm>
         </p:spPr>
       </p:pic>
     </p:spTree>
     <p:extLst>
       <p:ext uri="{BB962C8B-B14F-4D97-AF65-F5344CB8AC3E}">
-        <p14:creationId xmlns:p14="http://schemas.microsoft.com/office/powerpoint/2010/main" val="3054966926"/>
+        <p14:creationId xmlns:p14="http://schemas.microsoft.com/office/powerpoint/2010/main" val="1577028443"/>
       </p:ext>
     </p:extLst>
   </p:cSld>
@@ -8803,8 +8795,12 @@
           <a:lstStyle/>
           <a:p>
             <a:r>
+              <a:rPr lang="en-US" altLang="zh-CN" dirty="0"/>
+              <a:t>XOR</a:t>
+            </a:r>
+            <a:r>
               <a:rPr lang="zh-CN" altLang="en-US" dirty="0"/>
-              <a:t>线性分类器小结</a:t>
+              <a:t>问题</a:t>
             </a:r>
           </a:p>
         </p:txBody>
@@ -8833,15 +8829,15 @@
         </p:blipFill>
         <p:spPr>
           <a:xfrm>
-            <a:off x="1277472" y="1219200"/>
-            <a:ext cx="6589056" cy="4937125"/>
+            <a:off x="956758" y="2092102"/>
+            <a:ext cx="7230484" cy="3191320"/>
           </a:xfrm>
         </p:spPr>
       </p:pic>
     </p:spTree>
     <p:extLst>
       <p:ext uri="{BB962C8B-B14F-4D97-AF65-F5344CB8AC3E}">
-        <p14:creationId xmlns:p14="http://schemas.microsoft.com/office/powerpoint/2010/main" val="1577028443"/>
+        <p14:creationId xmlns:p14="http://schemas.microsoft.com/office/powerpoint/2010/main" val="3054966926"/>
       </p:ext>
     </p:extLst>
   </p:cSld>

--- a/ppt/chap-线性模型.pptx
+++ b/ppt/chap-线性模型.pptx
@@ -5,7 +5,7 @@
     <p:sldMasterId id="2147483756" r:id="rId1"/>
   </p:sldMasterIdLst>
   <p:notesMasterIdLst>
-    <p:notesMasterId r:id="rId27"/>
+    <p:notesMasterId r:id="rId30"/>
   </p:notesMasterIdLst>
   <p:sldIdLst>
     <p:sldId id="256" r:id="rId2"/>
@@ -22,17 +22,20 @@
     <p:sldId id="469" r:id="rId13"/>
     <p:sldId id="448" r:id="rId14"/>
     <p:sldId id="449" r:id="rId15"/>
-    <p:sldId id="450" r:id="rId16"/>
-    <p:sldId id="451" r:id="rId17"/>
-    <p:sldId id="452" r:id="rId18"/>
-    <p:sldId id="453" r:id="rId19"/>
-    <p:sldId id="454" r:id="rId20"/>
-    <p:sldId id="455" r:id="rId21"/>
-    <p:sldId id="456" r:id="rId22"/>
-    <p:sldId id="457" r:id="rId23"/>
-    <p:sldId id="459" r:id="rId24"/>
-    <p:sldId id="458" r:id="rId25"/>
-    <p:sldId id="447" r:id="rId26"/>
+    <p:sldId id="508" r:id="rId16"/>
+    <p:sldId id="509" r:id="rId17"/>
+    <p:sldId id="507" r:id="rId18"/>
+    <p:sldId id="450" r:id="rId19"/>
+    <p:sldId id="451" r:id="rId20"/>
+    <p:sldId id="452" r:id="rId21"/>
+    <p:sldId id="453" r:id="rId22"/>
+    <p:sldId id="454" r:id="rId23"/>
+    <p:sldId id="455" r:id="rId24"/>
+    <p:sldId id="456" r:id="rId25"/>
+    <p:sldId id="457" r:id="rId26"/>
+    <p:sldId id="459" r:id="rId27"/>
+    <p:sldId id="458" r:id="rId28"/>
+    <p:sldId id="447" r:id="rId29"/>
   </p:sldIdLst>
   <p:sldSz cx="9144000" cy="6858000" type="screen4x3"/>
   <p:notesSz cx="6858000" cy="9144000"/>
@@ -180,6 +183,9 @@
             <p14:sldId id="469"/>
             <p14:sldId id="448"/>
             <p14:sldId id="449"/>
+            <p14:sldId id="508"/>
+            <p14:sldId id="509"/>
+            <p14:sldId id="507"/>
             <p14:sldId id="450"/>
             <p14:sldId id="451"/>
             <p14:sldId id="452"/>
@@ -319,7 +325,7 @@
               <a:pPr>
                 <a:defRPr/>
               </a:pPr>
-              <a:t>3/15/2019</a:t>
+              <a:t>7/14/2019</a:t>
             </a:fld>
             <a:endParaRPr lang="en-US" altLang="zh-CN"/>
           </a:p>
@@ -869,6 +875,103 @@
     <p:extLst>
       <p:ext uri="{BB962C8B-B14F-4D97-AF65-F5344CB8AC3E}">
         <p14:creationId xmlns:p14="http://schemas.microsoft.com/office/powerpoint/2010/main" val="3470741864"/>
+      </p:ext>
+    </p:extLst>
+  </p:cSld>
+  <p:clrMapOvr>
+    <a:masterClrMapping/>
+  </p:clrMapOvr>
+</p:notes>
+</file>
+
+<file path=ppt/notesSlides/notesSlide3.xml><?xml version="1.0" encoding="utf-8"?>
+<p:notes xmlns:a="http://schemas.openxmlformats.org/drawingml/2006/main" xmlns:r="http://schemas.openxmlformats.org/officeDocument/2006/relationships" xmlns:p="http://schemas.openxmlformats.org/presentationml/2006/main">
+  <p:cSld>
+    <p:spTree>
+      <p:nvGrpSpPr>
+        <p:cNvPr id="1" name=""/>
+        <p:cNvGrpSpPr/>
+        <p:nvPr/>
+      </p:nvGrpSpPr>
+      <p:grpSpPr>
+        <a:xfrm>
+          <a:off x="0" y="0"/>
+          <a:ext cx="0" cy="0"/>
+          <a:chOff x="0" y="0"/>
+          <a:chExt cx="0" cy="0"/>
+        </a:xfrm>
+      </p:grpSpPr>
+      <p:sp>
+        <p:nvSpPr>
+          <p:cNvPr id="2" name="幻灯片图像占位符 1"/>
+          <p:cNvSpPr>
+            <a:spLocks noGrp="1" noRot="1" noChangeAspect="1"/>
+          </p:cNvSpPr>
+          <p:nvPr>
+            <p:ph type="sldImg"/>
+          </p:nvPr>
+        </p:nvSpPr>
+        <p:spPr/>
+      </p:sp>
+      <p:sp>
+        <p:nvSpPr>
+          <p:cNvPr id="3" name="备注占位符 2"/>
+          <p:cNvSpPr>
+            <a:spLocks noGrp="1"/>
+          </p:cNvSpPr>
+          <p:nvPr>
+            <p:ph type="body" idx="1"/>
+          </p:nvPr>
+        </p:nvSpPr>
+        <p:spPr/>
+        <p:txBody>
+          <a:bodyPr/>
+          <a:lstStyle/>
+          <a:p>
+            <a:r>
+              <a:rPr lang="en-US" altLang="zh-CN" dirty="0" err="1"/>
+              <a:t>ppt</a:t>
+            </a:r>
+            <a:r>
+              <a:rPr lang="zh-CN" altLang="en-US" dirty="0"/>
+              <a:t>有错</a:t>
+            </a:r>
+          </a:p>
+        </p:txBody>
+      </p:sp>
+      <p:sp>
+        <p:nvSpPr>
+          <p:cNvPr id="4" name="灯片编号占位符 3"/>
+          <p:cNvSpPr>
+            <a:spLocks noGrp="1"/>
+          </p:cNvSpPr>
+          <p:nvPr>
+            <p:ph type="sldNum" sz="quarter" idx="10"/>
+          </p:nvPr>
+        </p:nvSpPr>
+        <p:spPr/>
+        <p:txBody>
+          <a:bodyPr/>
+          <a:lstStyle/>
+          <a:p>
+            <a:pPr>
+              <a:defRPr/>
+            </a:pPr>
+            <a:fld id="{B4C119E0-CEE4-4FF8-83B2-DC856A2C17CC}" type="slidenum">
+              <a:rPr lang="en-US" altLang="zh-CN" smtClean="0"/>
+              <a:pPr>
+                <a:defRPr/>
+              </a:pPr>
+              <a:t>15</a:t>
+            </a:fld>
+            <a:endParaRPr lang="en-US" altLang="zh-CN"/>
+          </a:p>
+        </p:txBody>
+      </p:sp>
+    </p:spTree>
+    <p:extLst>
+      <p:ext uri="{BB962C8B-B14F-4D97-AF65-F5344CB8AC3E}">
+        <p14:creationId xmlns:p14="http://schemas.microsoft.com/office/powerpoint/2010/main" val="2044818182"/>
       </p:ext>
     </p:extLst>
   </p:cSld>
@@ -7237,55 +7340,1181 @@
           <a:lstStyle/>
           <a:p>
             <a:r>
-              <a:rPr lang="en-US" altLang="zh-CN" dirty="0"/>
-              <a:t>Logistic</a:t>
-            </a:r>
-            <a:r>
               <a:rPr lang="zh-CN" altLang="en-US" dirty="0"/>
-              <a:t>回归</a:t>
+              <a:t>后验概率的损失函数</a:t>
             </a:r>
           </a:p>
         </p:txBody>
       </p:sp>
-      <p:pic>
-        <p:nvPicPr>
-          <p:cNvPr id="5" name="内容占位符 4" descr="屏幕剪辑"/>
-          <p:cNvPicPr>
-            <a:picLocks noGrp="1" noChangeAspect="1"/>
-          </p:cNvPicPr>
-          <p:nvPr>
-            <p:ph sz="quarter" idx="1"/>
-          </p:nvPr>
-        </p:nvPicPr>
-        <p:blipFill>
-          <a:blip r:embed="rId2">
-            <a:extLst>
-              <a:ext uri="{28A0092B-C50C-407E-A947-70E740481C1C}">
-                <a14:useLocalDpi xmlns:a14="http://schemas.microsoft.com/office/drawing/2010/main"/>
-              </a:ext>
-            </a:extLst>
-          </a:blip>
-          <a:stretch>
-            <a:fillRect/>
-          </a:stretch>
-        </p:blipFill>
+      <mc:AlternateContent xmlns:mc="http://schemas.openxmlformats.org/markup-compatibility/2006" xmlns:a14="http://schemas.microsoft.com/office/drawing/2010/main">
+        <mc:Choice Requires="a14">
+          <p:sp>
+            <p:nvSpPr>
+              <p:cNvPr id="3" name="内容占位符 2"/>
+              <p:cNvSpPr>
+                <a:spLocks noGrp="1"/>
+              </p:cNvSpPr>
+              <p:nvPr>
+                <p:ph sz="quarter" idx="1"/>
+              </p:nvPr>
+            </p:nvSpPr>
+            <p:spPr/>
+            <p:txBody>
+              <a:bodyPr/>
+              <a:lstStyle/>
+              <a:p>
+                <a:r>
+                  <a:rPr lang="zh-CN" altLang="en-US" dirty="0"/>
+                  <a:t>直接建模条件概率</a:t>
+                </a:r>
+                <a14:m>
+                  <m:oMath xmlns:m="http://schemas.openxmlformats.org/officeDocument/2006/math">
+                    <m:sSub>
+                      <m:sSubPr>
+                        <m:ctrlPr>
+                          <a:rPr lang="en-US" altLang="zh-CN" i="1">
+                            <a:latin typeface="Cambria Math" panose="02040503050406030204" pitchFamily="18" charset="0"/>
+                          </a:rPr>
+                        </m:ctrlPr>
+                      </m:sSubPr>
+                      <m:e>
+                        <m:r>
+                          <a:rPr lang="en-US" altLang="zh-CN" i="1">
+                            <a:latin typeface="Cambria Math" panose="02040503050406030204" pitchFamily="18" charset="0"/>
+                          </a:rPr>
+                          <m:t>𝑝</m:t>
+                        </m:r>
+                      </m:e>
+                      <m:sub>
+                        <m:r>
+                          <a:rPr lang="en-US" altLang="zh-CN" i="1">
+                            <a:latin typeface="Cambria Math" panose="02040503050406030204" pitchFamily="18" charset="0"/>
+                          </a:rPr>
+                          <m:t>𝜃</m:t>
+                        </m:r>
+                      </m:sub>
+                    </m:sSub>
+                    <m:r>
+                      <a:rPr lang="en-US" altLang="zh-CN" i="1">
+                        <a:latin typeface="Cambria Math" panose="02040503050406030204" pitchFamily="18" charset="0"/>
+                      </a:rPr>
+                      <m:t>(</m:t>
+                    </m:r>
+                    <m:r>
+                      <a:rPr lang="en-US" altLang="zh-CN" i="1">
+                        <a:latin typeface="Cambria Math" panose="02040503050406030204" pitchFamily="18" charset="0"/>
+                      </a:rPr>
+                      <m:t>𝑦</m:t>
+                    </m:r>
+                    <m:r>
+                      <a:rPr lang="en-US" altLang="zh-CN" i="1">
+                        <a:latin typeface="Cambria Math" panose="02040503050406030204" pitchFamily="18" charset="0"/>
+                      </a:rPr>
+                      <m:t>|</m:t>
+                    </m:r>
+                    <m:r>
+                      <a:rPr lang="en-US" altLang="zh-CN" i="1">
+                        <a:latin typeface="Cambria Math" panose="02040503050406030204" pitchFamily="18" charset="0"/>
+                      </a:rPr>
+                      <m:t>𝑥</m:t>
+                    </m:r>
+                    <m:r>
+                      <a:rPr lang="en-US" altLang="zh-CN" i="1">
+                        <a:latin typeface="Cambria Math" panose="02040503050406030204" pitchFamily="18" charset="0"/>
+                      </a:rPr>
+                      <m:t>)</m:t>
+                    </m:r>
+                  </m:oMath>
+                </a14:m>
+                <a:endParaRPr lang="en-US" altLang="zh-CN" dirty="0"/>
+              </a:p>
+              <a:p>
+                <a:r>
+                  <a:rPr lang="zh-CN" altLang="en-US" dirty="0"/>
+                  <a:t>真实条件概率</a:t>
+                </a:r>
+                <a14:m>
+                  <m:oMath xmlns:m="http://schemas.openxmlformats.org/officeDocument/2006/math">
+                    <m:sSub>
+                      <m:sSubPr>
+                        <m:ctrlPr>
+                          <a:rPr lang="en-US" altLang="zh-CN" b="0" i="1" smtClean="0">
+                            <a:latin typeface="Cambria Math" panose="02040503050406030204" pitchFamily="18" charset="0"/>
+                          </a:rPr>
+                        </m:ctrlPr>
+                      </m:sSubPr>
+                      <m:e>
+                        <m:r>
+                          <a:rPr lang="en-US" altLang="zh-CN" b="0" i="1" smtClean="0">
+                            <a:latin typeface="Cambria Math" panose="02040503050406030204" pitchFamily="18" charset="0"/>
+                          </a:rPr>
+                          <m:t>𝑝</m:t>
+                        </m:r>
+                      </m:e>
+                      <m:sub>
+                        <m:r>
+                          <a:rPr lang="en-US" altLang="zh-CN" b="0" i="1" smtClean="0">
+                            <a:latin typeface="Cambria Math" panose="02040503050406030204" pitchFamily="18" charset="0"/>
+                          </a:rPr>
+                          <m:t>𝑟</m:t>
+                        </m:r>
+                      </m:sub>
+                    </m:sSub>
+                    <m:r>
+                      <a:rPr lang="en-US" altLang="zh-CN" b="0" i="1" smtClean="0">
+                        <a:latin typeface="Cambria Math" panose="02040503050406030204" pitchFamily="18" charset="0"/>
+                      </a:rPr>
+                      <m:t>(</m:t>
+                    </m:r>
+                    <m:r>
+                      <a:rPr lang="en-US" altLang="zh-CN" b="0" i="1" smtClean="0">
+                        <a:latin typeface="Cambria Math" panose="02040503050406030204" pitchFamily="18" charset="0"/>
+                      </a:rPr>
+                      <m:t>𝑦</m:t>
+                    </m:r>
+                    <m:r>
+                      <a:rPr lang="en-US" altLang="zh-CN" b="0" i="1" smtClean="0">
+                        <a:latin typeface="Cambria Math" panose="02040503050406030204" pitchFamily="18" charset="0"/>
+                      </a:rPr>
+                      <m:t>|</m:t>
+                    </m:r>
+                    <m:r>
+                      <a:rPr lang="en-US" altLang="zh-CN" b="0" i="1" smtClean="0">
+                        <a:latin typeface="Cambria Math" panose="02040503050406030204" pitchFamily="18" charset="0"/>
+                      </a:rPr>
+                      <m:t>𝑥</m:t>
+                    </m:r>
+                    <m:r>
+                      <a:rPr lang="en-US" altLang="zh-CN" b="0" i="1" smtClean="0">
+                        <a:latin typeface="Cambria Math" panose="02040503050406030204" pitchFamily="18" charset="0"/>
+                      </a:rPr>
+                      <m:t>)</m:t>
+                    </m:r>
+                  </m:oMath>
+                </a14:m>
+                <a:endParaRPr lang="en-US" altLang="zh-CN" dirty="0"/>
+              </a:p>
+              <a:p>
+                <a:r>
+                  <a:rPr lang="zh-CN" altLang="en-US" dirty="0"/>
+                  <a:t>如何衡量两个条件分布的差异？</a:t>
+                </a:r>
+                <a:endParaRPr lang="en-US" altLang="zh-CN" dirty="0"/>
+              </a:p>
+              <a:p>
+                <a:pPr lvl="1"/>
+                <a:endParaRPr lang="en-US" altLang="zh-CN" dirty="0"/>
+              </a:p>
+              <a:p>
+                <a:r>
+                  <a:rPr lang="en-US" altLang="zh-CN" dirty="0"/>
+                  <a:t>KL</a:t>
+                </a:r>
+                <a:r>
+                  <a:rPr lang="zh-CN" altLang="en-US" dirty="0"/>
+                  <a:t>散度</a:t>
+                </a:r>
+              </a:p>
+            </p:txBody>
+          </p:sp>
+        </mc:Choice>
+        <mc:Fallback xmlns="">
+          <p:sp>
+            <p:nvSpPr>
+              <p:cNvPr id="3" name="内容占位符 2"/>
+              <p:cNvSpPr>
+                <a:spLocks noGrp="1" noRot="1" noChangeAspect="1" noMove="1" noResize="1" noEditPoints="1" noAdjustHandles="1" noChangeArrowheads="1" noChangeShapeType="1" noTextEdit="1"/>
+              </p:cNvSpPr>
+              <p:nvPr>
+                <p:ph sz="quarter" idx="1"/>
+              </p:nvPr>
+            </p:nvSpPr>
+            <p:spPr>
+              <a:blipFill>
+                <a:blip r:embed="rId3"/>
+                <a:stretch>
+                  <a:fillRect l="-741" t="-1235"/>
+                </a:stretch>
+              </a:blipFill>
+            </p:spPr>
+            <p:txBody>
+              <a:bodyPr/>
+              <a:lstStyle/>
+              <a:p>
+                <a:r>
+                  <a:rPr lang="zh-CN" altLang="en-US">
+                    <a:noFill/>
+                  </a:rPr>
+                  <a:t> </a:t>
+                </a:r>
+              </a:p>
+            </p:txBody>
+          </p:sp>
+        </mc:Fallback>
+      </mc:AlternateContent>
+      <mc:AlternateContent xmlns:mc="http://schemas.openxmlformats.org/markup-compatibility/2006" xmlns:a14="http://schemas.microsoft.com/office/drawing/2010/main">
+        <mc:Choice Requires="a14">
+          <p:sp>
+            <p:nvSpPr>
+              <p:cNvPr id="4" name="文本框 3"/>
+              <p:cNvSpPr txBox="1"/>
+              <p:nvPr/>
+            </p:nvSpPr>
+            <p:spPr>
+              <a:xfrm>
+                <a:off x="1752600" y="3645413"/>
+                <a:ext cx="4901150" cy="1088439"/>
+              </a:xfrm>
+              <a:prstGeom prst="rect">
+                <a:avLst/>
+              </a:prstGeom>
+              <a:noFill/>
+            </p:spPr>
+            <p:txBody>
+              <a:bodyPr wrap="none" lIns="0" tIns="0" rIns="0" bIns="0" rtlCol="0">
+                <a:spAutoFit/>
+              </a:bodyPr>
+              <a:lstStyle/>
+              <a:p>
+                <a:pPr/>
+                <a14:m>
+                  <m:oMathPara xmlns:m="http://schemas.openxmlformats.org/officeDocument/2006/math">
+                    <m:oMathParaPr>
+                      <m:jc m:val="centerGroup"/>
+                    </m:oMathParaPr>
+                    <m:oMath xmlns:m="http://schemas.openxmlformats.org/officeDocument/2006/math">
+                      <m:sSub>
+                        <m:sSubPr>
+                          <m:ctrlPr>
+                            <a:rPr lang="en-US" altLang="zh-CN" b="0" i="1" smtClean="0">
+                              <a:latin typeface="Cambria Math" panose="02040503050406030204" pitchFamily="18" charset="0"/>
+                            </a:rPr>
+                          </m:ctrlPr>
+                        </m:sSubPr>
+                        <m:e>
+                          <m:r>
+                            <m:rPr>
+                              <m:sty m:val="p"/>
+                            </m:rPr>
+                            <a:rPr lang="en-US" altLang="zh-CN" i="1" smtClean="0">
+                              <a:latin typeface="Cambria Math" panose="02040503050406030204" pitchFamily="18" charset="0"/>
+                            </a:rPr>
+                            <m:t>D</m:t>
+                          </m:r>
+                        </m:e>
+                        <m:sub>
+                          <m:r>
+                            <m:rPr>
+                              <m:sty m:val="p"/>
+                            </m:rPr>
+                            <a:rPr lang="en-US" altLang="zh-CN" b="0" i="0" smtClean="0">
+                              <a:latin typeface="Cambria Math" panose="02040503050406030204" pitchFamily="18" charset="0"/>
+                            </a:rPr>
+                            <m:t>kl</m:t>
+                          </m:r>
+                        </m:sub>
+                      </m:sSub>
+                      <m:d>
+                        <m:dPr>
+                          <m:ctrlPr>
+                            <a:rPr lang="en-US" altLang="zh-CN" b="0" i="1" smtClean="0">
+                              <a:latin typeface="Cambria Math" panose="02040503050406030204" pitchFamily="18" charset="0"/>
+                            </a:rPr>
+                          </m:ctrlPr>
+                        </m:dPr>
+                        <m:e>
+                          <m:sSub>
+                            <m:sSubPr>
+                              <m:ctrlPr>
+                                <a:rPr lang="en-US" altLang="zh-CN" i="1">
+                                  <a:latin typeface="Cambria Math" panose="02040503050406030204" pitchFamily="18" charset="0"/>
+                                </a:rPr>
+                              </m:ctrlPr>
+                            </m:sSubPr>
+                            <m:e>
+                              <m:r>
+                                <a:rPr lang="en-US" altLang="zh-CN" i="1">
+                                  <a:latin typeface="Cambria Math" panose="02040503050406030204" pitchFamily="18" charset="0"/>
+                                </a:rPr>
+                                <m:t>𝑝</m:t>
+                              </m:r>
+                            </m:e>
+                            <m:sub>
+                              <m:r>
+                                <a:rPr lang="en-US" altLang="zh-CN" i="1">
+                                  <a:latin typeface="Cambria Math" panose="02040503050406030204" pitchFamily="18" charset="0"/>
+                                </a:rPr>
+                                <m:t>𝑟</m:t>
+                              </m:r>
+                            </m:sub>
+                          </m:sSub>
+                          <m:d>
+                            <m:dPr>
+                              <m:ctrlPr>
+                                <a:rPr lang="en-US" altLang="zh-CN" i="1">
+                                  <a:latin typeface="Cambria Math" panose="02040503050406030204" pitchFamily="18" charset="0"/>
+                                </a:rPr>
+                              </m:ctrlPr>
+                            </m:dPr>
+                            <m:e>
+                              <m:r>
+                                <a:rPr lang="en-US" altLang="zh-CN" i="1">
+                                  <a:latin typeface="Cambria Math" panose="02040503050406030204" pitchFamily="18" charset="0"/>
+                                </a:rPr>
+                                <m:t>𝑦</m:t>
+                              </m:r>
+                            </m:e>
+                            <m:e>
+                              <m:r>
+                                <a:rPr lang="en-US" altLang="zh-CN" i="1">
+                                  <a:latin typeface="Cambria Math" panose="02040503050406030204" pitchFamily="18" charset="0"/>
+                                </a:rPr>
+                                <m:t>𝑥</m:t>
+                              </m:r>
+                            </m:e>
+                          </m:d>
+                        </m:e>
+                        <m:e>
+                          <m:r>
+                            <a:rPr lang="en-US" altLang="zh-CN" b="0" i="1" smtClean="0">
+                              <a:latin typeface="Cambria Math" panose="02040503050406030204" pitchFamily="18" charset="0"/>
+                            </a:rPr>
+                            <m:t>|</m:t>
+                          </m:r>
+                          <m:sSub>
+                            <m:sSubPr>
+                              <m:ctrlPr>
+                                <a:rPr lang="en-US" altLang="zh-CN" i="1">
+                                  <a:latin typeface="Cambria Math" panose="02040503050406030204" pitchFamily="18" charset="0"/>
+                                </a:rPr>
+                              </m:ctrlPr>
+                            </m:sSubPr>
+                            <m:e>
+                              <m:r>
+                                <a:rPr lang="en-US" altLang="zh-CN" i="1">
+                                  <a:latin typeface="Cambria Math" panose="02040503050406030204" pitchFamily="18" charset="0"/>
+                                </a:rPr>
+                                <m:t>𝑝</m:t>
+                              </m:r>
+                            </m:e>
+                            <m:sub>
+                              <m:r>
+                                <a:rPr lang="en-US" altLang="zh-CN" b="0" i="1" smtClean="0">
+                                  <a:latin typeface="Cambria Math" panose="02040503050406030204" pitchFamily="18" charset="0"/>
+                                </a:rPr>
+                                <m:t>𝜃</m:t>
+                              </m:r>
+                            </m:sub>
+                          </m:sSub>
+                          <m:d>
+                            <m:dPr>
+                              <m:ctrlPr>
+                                <a:rPr lang="en-US" altLang="zh-CN" i="1">
+                                  <a:latin typeface="Cambria Math" panose="02040503050406030204" pitchFamily="18" charset="0"/>
+                                </a:rPr>
+                              </m:ctrlPr>
+                            </m:dPr>
+                            <m:e>
+                              <m:r>
+                                <a:rPr lang="en-US" altLang="zh-CN" i="1">
+                                  <a:latin typeface="Cambria Math" panose="02040503050406030204" pitchFamily="18" charset="0"/>
+                                </a:rPr>
+                                <m:t>𝑦</m:t>
+                              </m:r>
+                            </m:e>
+                            <m:e>
+                              <m:r>
+                                <a:rPr lang="en-US" altLang="zh-CN" i="1">
+                                  <a:latin typeface="Cambria Math" panose="02040503050406030204" pitchFamily="18" charset="0"/>
+                                </a:rPr>
+                                <m:t>𝑥</m:t>
+                              </m:r>
+                            </m:e>
+                          </m:d>
+                        </m:e>
+                      </m:d>
+                      <m:r>
+                        <a:rPr lang="en-US" altLang="zh-CN" b="0" i="1" smtClean="0">
+                          <a:latin typeface="Cambria Math" panose="02040503050406030204" pitchFamily="18" charset="0"/>
+                        </a:rPr>
+                        <m:t>=</m:t>
+                      </m:r>
+                      <m:nary>
+                        <m:naryPr>
+                          <m:chr m:val="∑"/>
+                          <m:ctrlPr>
+                            <a:rPr lang="en-US" altLang="zh-CN" b="0" i="1" smtClean="0">
+                              <a:latin typeface="Cambria Math" panose="02040503050406030204" pitchFamily="18" charset="0"/>
+                            </a:rPr>
+                          </m:ctrlPr>
+                        </m:naryPr>
+                        <m:sub>
+                          <m:r>
+                            <a:rPr lang="en-US" altLang="zh-CN" b="0" i="1" smtClean="0">
+                              <a:latin typeface="Cambria Math" panose="02040503050406030204" pitchFamily="18" charset="0"/>
+                            </a:rPr>
+                            <m:t>𝑦</m:t>
+                          </m:r>
+                          <m:r>
+                            <a:rPr lang="en-US" altLang="zh-CN" b="0" i="1" smtClean="0">
+                              <a:latin typeface="Cambria Math" panose="02040503050406030204" pitchFamily="18" charset="0"/>
+                            </a:rPr>
+                            <m:t>=1</m:t>
+                          </m:r>
+                        </m:sub>
+                        <m:sup>
+                          <m:r>
+                            <a:rPr lang="en-US" altLang="zh-CN" b="0" i="1" smtClean="0">
+                              <a:latin typeface="Cambria Math" panose="02040503050406030204" pitchFamily="18" charset="0"/>
+                            </a:rPr>
+                            <m:t>𝐶</m:t>
+                          </m:r>
+                        </m:sup>
+                        <m:e>
+                          <m:sSub>
+                            <m:sSubPr>
+                              <m:ctrlPr>
+                                <a:rPr lang="en-US" altLang="zh-CN" i="1">
+                                  <a:latin typeface="Cambria Math" panose="02040503050406030204" pitchFamily="18" charset="0"/>
+                                </a:rPr>
+                              </m:ctrlPr>
+                            </m:sSubPr>
+                            <m:e>
+                              <m:r>
+                                <a:rPr lang="en-US" altLang="zh-CN" i="1">
+                                  <a:latin typeface="Cambria Math" panose="02040503050406030204" pitchFamily="18" charset="0"/>
+                                </a:rPr>
+                                <m:t>𝑝</m:t>
+                              </m:r>
+                            </m:e>
+                            <m:sub>
+                              <m:r>
+                                <a:rPr lang="en-US" altLang="zh-CN" i="1">
+                                  <a:latin typeface="Cambria Math" panose="02040503050406030204" pitchFamily="18" charset="0"/>
+                                </a:rPr>
+                                <m:t>𝑟</m:t>
+                              </m:r>
+                            </m:sub>
+                          </m:sSub>
+                          <m:d>
+                            <m:dPr>
+                              <m:ctrlPr>
+                                <a:rPr lang="en-US" altLang="zh-CN" i="1">
+                                  <a:latin typeface="Cambria Math" panose="02040503050406030204" pitchFamily="18" charset="0"/>
+                                </a:rPr>
+                              </m:ctrlPr>
+                            </m:dPr>
+                            <m:e>
+                              <m:r>
+                                <a:rPr lang="en-US" altLang="zh-CN" i="1">
+                                  <a:latin typeface="Cambria Math" panose="02040503050406030204" pitchFamily="18" charset="0"/>
+                                </a:rPr>
+                                <m:t>𝑦</m:t>
+                              </m:r>
+                            </m:e>
+                            <m:e>
+                              <m:r>
+                                <a:rPr lang="en-US" altLang="zh-CN" i="1">
+                                  <a:latin typeface="Cambria Math" panose="02040503050406030204" pitchFamily="18" charset="0"/>
+                                </a:rPr>
+                                <m:t>𝑥</m:t>
+                              </m:r>
+                            </m:e>
+                          </m:d>
+                          <m:func>
+                            <m:funcPr>
+                              <m:ctrlPr>
+                                <a:rPr lang="en-US" altLang="zh-CN" b="0" i="1" smtClean="0">
+                                  <a:latin typeface="Cambria Math" panose="02040503050406030204" pitchFamily="18" charset="0"/>
+                                </a:rPr>
+                              </m:ctrlPr>
+                            </m:funcPr>
+                            <m:fName>
+                              <m:r>
+                                <m:rPr>
+                                  <m:sty m:val="p"/>
+                                </m:rPr>
+                                <a:rPr lang="en-US" altLang="zh-CN" b="0" i="0" smtClean="0">
+                                  <a:latin typeface="Cambria Math" panose="02040503050406030204" pitchFamily="18" charset="0"/>
+                                </a:rPr>
+                                <m:t>log</m:t>
+                              </m:r>
+                            </m:fName>
+                            <m:e>
+                              <m:f>
+                                <m:fPr>
+                                  <m:ctrlPr>
+                                    <a:rPr lang="en-US" altLang="zh-CN" i="1">
+                                      <a:latin typeface="Cambria Math" panose="02040503050406030204" pitchFamily="18" charset="0"/>
+                                    </a:rPr>
+                                  </m:ctrlPr>
+                                </m:fPr>
+                                <m:num>
+                                  <m:sSub>
+                                    <m:sSubPr>
+                                      <m:ctrlPr>
+                                        <a:rPr lang="en-US" altLang="zh-CN" i="1">
+                                          <a:latin typeface="Cambria Math" panose="02040503050406030204" pitchFamily="18" charset="0"/>
+                                        </a:rPr>
+                                      </m:ctrlPr>
+                                    </m:sSubPr>
+                                    <m:e>
+                                      <m:r>
+                                        <a:rPr lang="en-US" altLang="zh-CN" i="1">
+                                          <a:latin typeface="Cambria Math" panose="02040503050406030204" pitchFamily="18" charset="0"/>
+                                        </a:rPr>
+                                        <m:t>𝑝</m:t>
+                                      </m:r>
+                                    </m:e>
+                                    <m:sub>
+                                      <m:r>
+                                        <a:rPr lang="en-US" altLang="zh-CN" b="0" i="1" smtClean="0">
+                                          <a:latin typeface="Cambria Math" panose="02040503050406030204" pitchFamily="18" charset="0"/>
+                                        </a:rPr>
+                                        <m:t>𝑟</m:t>
+                                      </m:r>
+                                    </m:sub>
+                                  </m:sSub>
+                                  <m:d>
+                                    <m:dPr>
+                                      <m:ctrlPr>
+                                        <a:rPr lang="en-US" altLang="zh-CN" i="1">
+                                          <a:latin typeface="Cambria Math" panose="02040503050406030204" pitchFamily="18" charset="0"/>
+                                        </a:rPr>
+                                      </m:ctrlPr>
+                                    </m:dPr>
+                                    <m:e>
+                                      <m:r>
+                                        <a:rPr lang="en-US" altLang="zh-CN" i="1">
+                                          <a:latin typeface="Cambria Math" panose="02040503050406030204" pitchFamily="18" charset="0"/>
+                                        </a:rPr>
+                                        <m:t>𝑦</m:t>
+                                      </m:r>
+                                    </m:e>
+                                    <m:e>
+                                      <m:r>
+                                        <a:rPr lang="en-US" altLang="zh-CN" i="1">
+                                          <a:latin typeface="Cambria Math" panose="02040503050406030204" pitchFamily="18" charset="0"/>
+                                        </a:rPr>
+                                        <m:t>𝑥</m:t>
+                                      </m:r>
+                                    </m:e>
+                                  </m:d>
+                                </m:num>
+                                <m:den>
+                                  <m:sSub>
+                                    <m:sSubPr>
+                                      <m:ctrlPr>
+                                        <a:rPr lang="en-US" altLang="zh-CN" i="1">
+                                          <a:latin typeface="Cambria Math" panose="02040503050406030204" pitchFamily="18" charset="0"/>
+                                        </a:rPr>
+                                      </m:ctrlPr>
+                                    </m:sSubPr>
+                                    <m:e>
+                                      <m:r>
+                                        <a:rPr lang="en-US" altLang="zh-CN" i="1">
+                                          <a:latin typeface="Cambria Math" panose="02040503050406030204" pitchFamily="18" charset="0"/>
+                                        </a:rPr>
+                                        <m:t>𝑝</m:t>
+                                      </m:r>
+                                    </m:e>
+                                    <m:sub>
+                                      <m:r>
+                                        <a:rPr lang="en-US" altLang="zh-CN" i="1">
+                                          <a:latin typeface="Cambria Math" panose="02040503050406030204" pitchFamily="18" charset="0"/>
+                                        </a:rPr>
+                                        <m:t>𝜃</m:t>
+                                      </m:r>
+                                    </m:sub>
+                                  </m:sSub>
+                                  <m:d>
+                                    <m:dPr>
+                                      <m:ctrlPr>
+                                        <a:rPr lang="en-US" altLang="zh-CN" i="1">
+                                          <a:latin typeface="Cambria Math" panose="02040503050406030204" pitchFamily="18" charset="0"/>
+                                        </a:rPr>
+                                      </m:ctrlPr>
+                                    </m:dPr>
+                                    <m:e>
+                                      <m:r>
+                                        <a:rPr lang="en-US" altLang="zh-CN" i="1">
+                                          <a:latin typeface="Cambria Math" panose="02040503050406030204" pitchFamily="18" charset="0"/>
+                                        </a:rPr>
+                                        <m:t>𝑦</m:t>
+                                      </m:r>
+                                    </m:e>
+                                    <m:e>
+                                      <m:r>
+                                        <a:rPr lang="en-US" altLang="zh-CN" i="1">
+                                          <a:latin typeface="Cambria Math" panose="02040503050406030204" pitchFamily="18" charset="0"/>
+                                        </a:rPr>
+                                        <m:t>𝑥</m:t>
+                                      </m:r>
+                                    </m:e>
+                                  </m:d>
+                                </m:den>
+                              </m:f>
+                            </m:e>
+                          </m:func>
+                        </m:e>
+                      </m:nary>
+                    </m:oMath>
+                  </m:oMathPara>
+                </a14:m>
+                <a:endParaRPr lang="en-US" altLang="zh-CN" dirty="0"/>
+              </a:p>
+              <a:p>
+                <a:endParaRPr lang="en-US" altLang="zh-CN" dirty="0"/>
+              </a:p>
+            </p:txBody>
+          </p:sp>
+        </mc:Choice>
+        <mc:Fallback xmlns="">
+          <p:sp>
+            <p:nvSpPr>
+              <p:cNvPr id="4" name="文本框 3"/>
+              <p:cNvSpPr txBox="1">
+                <a:spLocks noRot="1" noChangeAspect="1" noMove="1" noResize="1" noEditPoints="1" noAdjustHandles="1" noChangeArrowheads="1" noChangeShapeType="1" noTextEdit="1"/>
+              </p:cNvSpPr>
+              <p:nvPr/>
+            </p:nvSpPr>
+            <p:spPr>
+              <a:xfrm>
+                <a:off x="1752600" y="3645413"/>
+                <a:ext cx="4901150" cy="1088439"/>
+              </a:xfrm>
+              <a:prstGeom prst="rect">
+                <a:avLst/>
+              </a:prstGeom>
+              <a:blipFill>
+                <a:blip r:embed="rId5"/>
+                <a:stretch>
+                  <a:fillRect/>
+                </a:stretch>
+              </a:blipFill>
+            </p:spPr>
+            <p:txBody>
+              <a:bodyPr/>
+              <a:lstStyle/>
+              <a:p>
+                <a:r>
+                  <a:rPr lang="zh-CN" altLang="en-US">
+                    <a:noFill/>
+                  </a:rPr>
+                  <a:t> </a:t>
+                </a:r>
+              </a:p>
+            </p:txBody>
+          </p:sp>
+        </mc:Fallback>
+      </mc:AlternateContent>
+      <mc:AlternateContent xmlns:mc="http://schemas.openxmlformats.org/markup-compatibility/2006" xmlns:a14="http://schemas.microsoft.com/office/drawing/2010/main">
+        <mc:Choice Requires="a14">
+          <p:sp>
+            <p:nvSpPr>
+              <p:cNvPr id="5" name="文本框 4"/>
+              <p:cNvSpPr txBox="1"/>
+              <p:nvPr/>
+            </p:nvSpPr>
+            <p:spPr>
+              <a:xfrm>
+                <a:off x="3938907" y="4697111"/>
+                <a:ext cx="2816092" cy="1088439"/>
+              </a:xfrm>
+              <a:prstGeom prst="rect">
+                <a:avLst/>
+              </a:prstGeom>
+              <a:noFill/>
+            </p:spPr>
+            <p:txBody>
+              <a:bodyPr wrap="none" lIns="0" tIns="0" rIns="0" bIns="0" rtlCol="0">
+                <a:spAutoFit/>
+              </a:bodyPr>
+              <a:lstStyle/>
+              <a:p>
+                <a:pPr/>
+                <a14:m>
+                  <m:oMathPara xmlns:m="http://schemas.openxmlformats.org/officeDocument/2006/math">
+                    <m:oMathParaPr>
+                      <m:jc m:val="centerGroup"/>
+                    </m:oMathParaPr>
+                    <m:oMath xmlns:m="http://schemas.openxmlformats.org/officeDocument/2006/math">
+                      <m:r>
+                        <a:rPr lang="en-US" altLang="zh-CN" b="0" i="1" smtClean="0">
+                          <a:latin typeface="Cambria Math" panose="02040503050406030204" pitchFamily="18" charset="0"/>
+                          <a:ea typeface="Cambria Math" panose="02040503050406030204" pitchFamily="18" charset="0"/>
+                        </a:rPr>
+                        <m:t>∝−</m:t>
+                      </m:r>
+                      <m:nary>
+                        <m:naryPr>
+                          <m:chr m:val="∑"/>
+                          <m:ctrlPr>
+                            <a:rPr lang="en-US" altLang="zh-CN" b="0" i="1" smtClean="0">
+                              <a:latin typeface="Cambria Math" panose="02040503050406030204" pitchFamily="18" charset="0"/>
+                            </a:rPr>
+                          </m:ctrlPr>
+                        </m:naryPr>
+                        <m:sub>
+                          <m:r>
+                            <a:rPr lang="en-US" altLang="zh-CN" b="0" i="1" smtClean="0">
+                              <a:latin typeface="Cambria Math" panose="02040503050406030204" pitchFamily="18" charset="0"/>
+                            </a:rPr>
+                            <m:t>𝑦</m:t>
+                          </m:r>
+                          <m:r>
+                            <a:rPr lang="en-US" altLang="zh-CN" b="0" i="1" smtClean="0">
+                              <a:latin typeface="Cambria Math" panose="02040503050406030204" pitchFamily="18" charset="0"/>
+                            </a:rPr>
+                            <m:t>=1</m:t>
+                          </m:r>
+                        </m:sub>
+                        <m:sup>
+                          <m:r>
+                            <a:rPr lang="en-US" altLang="zh-CN" b="0" i="1" smtClean="0">
+                              <a:latin typeface="Cambria Math" panose="02040503050406030204" pitchFamily="18" charset="0"/>
+                            </a:rPr>
+                            <m:t>𝐶</m:t>
+                          </m:r>
+                        </m:sup>
+                        <m:e>
+                          <m:sSub>
+                            <m:sSubPr>
+                              <m:ctrlPr>
+                                <a:rPr lang="en-US" altLang="zh-CN" i="1">
+                                  <a:latin typeface="Cambria Math" panose="02040503050406030204" pitchFamily="18" charset="0"/>
+                                </a:rPr>
+                              </m:ctrlPr>
+                            </m:sSubPr>
+                            <m:e>
+                              <m:r>
+                                <a:rPr lang="en-US" altLang="zh-CN" i="1">
+                                  <a:latin typeface="Cambria Math" panose="02040503050406030204" pitchFamily="18" charset="0"/>
+                                </a:rPr>
+                                <m:t>𝑝</m:t>
+                              </m:r>
+                            </m:e>
+                            <m:sub>
+                              <m:r>
+                                <a:rPr lang="en-US" altLang="zh-CN" i="1">
+                                  <a:latin typeface="Cambria Math" panose="02040503050406030204" pitchFamily="18" charset="0"/>
+                                </a:rPr>
+                                <m:t>𝑟</m:t>
+                              </m:r>
+                            </m:sub>
+                          </m:sSub>
+                          <m:d>
+                            <m:dPr>
+                              <m:ctrlPr>
+                                <a:rPr lang="en-US" altLang="zh-CN" i="1">
+                                  <a:latin typeface="Cambria Math" panose="02040503050406030204" pitchFamily="18" charset="0"/>
+                                </a:rPr>
+                              </m:ctrlPr>
+                            </m:dPr>
+                            <m:e>
+                              <m:r>
+                                <a:rPr lang="en-US" altLang="zh-CN" i="1">
+                                  <a:latin typeface="Cambria Math" panose="02040503050406030204" pitchFamily="18" charset="0"/>
+                                </a:rPr>
+                                <m:t>𝑦</m:t>
+                              </m:r>
+                            </m:e>
+                            <m:e>
+                              <m:r>
+                                <a:rPr lang="en-US" altLang="zh-CN" i="1">
+                                  <a:latin typeface="Cambria Math" panose="02040503050406030204" pitchFamily="18" charset="0"/>
+                                </a:rPr>
+                                <m:t>𝑥</m:t>
+                              </m:r>
+                            </m:e>
+                          </m:d>
+                          <m:func>
+                            <m:funcPr>
+                              <m:ctrlPr>
+                                <a:rPr lang="en-US" altLang="zh-CN" b="0" i="1" smtClean="0">
+                                  <a:latin typeface="Cambria Math" panose="02040503050406030204" pitchFamily="18" charset="0"/>
+                                </a:rPr>
+                              </m:ctrlPr>
+                            </m:funcPr>
+                            <m:fName>
+                              <m:r>
+                                <m:rPr>
+                                  <m:sty m:val="p"/>
+                                </m:rPr>
+                                <a:rPr lang="en-US" altLang="zh-CN" b="0" i="0" smtClean="0">
+                                  <a:latin typeface="Cambria Math" panose="02040503050406030204" pitchFamily="18" charset="0"/>
+                                </a:rPr>
+                                <m:t>log</m:t>
+                              </m:r>
+                            </m:fName>
+                            <m:e>
+                              <m:sSub>
+                                <m:sSubPr>
+                                  <m:ctrlPr>
+                                    <a:rPr lang="en-US" altLang="zh-CN" i="1">
+                                      <a:latin typeface="Cambria Math" panose="02040503050406030204" pitchFamily="18" charset="0"/>
+                                    </a:rPr>
+                                  </m:ctrlPr>
+                                </m:sSubPr>
+                                <m:e>
+                                  <m:r>
+                                    <a:rPr lang="en-US" altLang="zh-CN" i="1">
+                                      <a:latin typeface="Cambria Math" panose="02040503050406030204" pitchFamily="18" charset="0"/>
+                                    </a:rPr>
+                                    <m:t>𝑝</m:t>
+                                  </m:r>
+                                </m:e>
+                                <m:sub>
+                                  <m:r>
+                                    <a:rPr lang="en-US" altLang="zh-CN" i="1">
+                                      <a:latin typeface="Cambria Math" panose="02040503050406030204" pitchFamily="18" charset="0"/>
+                                    </a:rPr>
+                                    <m:t>𝜃</m:t>
+                                  </m:r>
+                                </m:sub>
+                              </m:sSub>
+                              <m:d>
+                                <m:dPr>
+                                  <m:ctrlPr>
+                                    <a:rPr lang="en-US" altLang="zh-CN" i="1">
+                                      <a:latin typeface="Cambria Math" panose="02040503050406030204" pitchFamily="18" charset="0"/>
+                                    </a:rPr>
+                                  </m:ctrlPr>
+                                </m:dPr>
+                                <m:e>
+                                  <m:r>
+                                    <a:rPr lang="en-US" altLang="zh-CN" i="1">
+                                      <a:latin typeface="Cambria Math" panose="02040503050406030204" pitchFamily="18" charset="0"/>
+                                    </a:rPr>
+                                    <m:t>𝑦</m:t>
+                                  </m:r>
+                                </m:e>
+                                <m:e>
+                                  <m:r>
+                                    <a:rPr lang="en-US" altLang="zh-CN" i="1">
+                                      <a:latin typeface="Cambria Math" panose="02040503050406030204" pitchFamily="18" charset="0"/>
+                                    </a:rPr>
+                                    <m:t>𝑥</m:t>
+                                  </m:r>
+                                </m:e>
+                              </m:d>
+                            </m:e>
+                          </m:func>
+                        </m:e>
+                      </m:nary>
+                    </m:oMath>
+                  </m:oMathPara>
+                </a14:m>
+                <a:endParaRPr lang="en-US" altLang="zh-CN" dirty="0"/>
+              </a:p>
+              <a:p>
+                <a:endParaRPr lang="en-US" altLang="zh-CN" dirty="0"/>
+              </a:p>
+            </p:txBody>
+          </p:sp>
+        </mc:Choice>
+        <mc:Fallback xmlns="">
+          <p:sp>
+            <p:nvSpPr>
+              <p:cNvPr id="5" name="文本框 4"/>
+              <p:cNvSpPr txBox="1">
+                <a:spLocks noRot="1" noChangeAspect="1" noMove="1" noResize="1" noEditPoints="1" noAdjustHandles="1" noChangeArrowheads="1" noChangeShapeType="1" noTextEdit="1"/>
+              </p:cNvSpPr>
+              <p:nvPr/>
+            </p:nvSpPr>
+            <p:spPr>
+              <a:xfrm>
+                <a:off x="3938907" y="4697111"/>
+                <a:ext cx="2816092" cy="1088439"/>
+              </a:xfrm>
+              <a:prstGeom prst="rect">
+                <a:avLst/>
+              </a:prstGeom>
+              <a:blipFill>
+                <a:blip r:embed="rId6"/>
+                <a:stretch>
+                  <a:fillRect/>
+                </a:stretch>
+              </a:blipFill>
+            </p:spPr>
+            <p:txBody>
+              <a:bodyPr/>
+              <a:lstStyle/>
+              <a:p>
+                <a:r>
+                  <a:rPr lang="zh-CN" altLang="en-US">
+                    <a:noFill/>
+                  </a:rPr>
+                  <a:t> </a:t>
+                </a:r>
+              </a:p>
+            </p:txBody>
+          </p:sp>
+        </mc:Fallback>
+      </mc:AlternateContent>
+      <p:sp>
+        <p:nvSpPr>
+          <p:cNvPr id="6" name="矩形 5"/>
+          <p:cNvSpPr/>
+          <p:nvPr/>
+        </p:nvSpPr>
         <p:spPr>
           <a:xfrm>
-            <a:off x="1328285" y="1258548"/>
-            <a:ext cx="6487430" cy="4858428"/>
-          </a:xfrm>
-        </p:spPr>
-      </p:pic>
+            <a:off x="4319907" y="5823650"/>
+            <a:ext cx="2253228" cy="369332"/>
+          </a:xfrm>
+          <a:prstGeom prst="rect">
+            <a:avLst/>
+          </a:prstGeom>
+        </p:spPr>
+        <p:txBody>
+          <a:bodyPr wrap="square">
+            <a:spAutoFit/>
+          </a:bodyPr>
+          <a:lstStyle/>
+          <a:p>
+            <a:pPr algn="ctr"/>
+            <a:r>
+              <a:rPr lang="zh-CN" altLang="en-US" dirty="0">
+                <a:solidFill>
+                  <a:srgbClr val="FF0000"/>
+                </a:solidFill>
+              </a:rPr>
+              <a:t>交叉熵损失</a:t>
+            </a:r>
+            <a:endParaRPr lang="zh-CN" altLang="en-US" dirty="0"/>
+          </a:p>
+        </p:txBody>
+      </p:sp>
     </p:spTree>
     <p:extLst>
       <p:ext uri="{BB962C8B-B14F-4D97-AF65-F5344CB8AC3E}">
-        <p14:creationId xmlns:p14="http://schemas.microsoft.com/office/powerpoint/2010/main" val="695271864"/>
+        <p14:creationId xmlns:p14="http://schemas.microsoft.com/office/powerpoint/2010/main" val="1311918289"/>
       </p:ext>
     </p:extLst>
   </p:cSld>
   <p:clrMapOvr>
     <a:masterClrMapping/>
   </p:clrMapOvr>
+  <p:timing>
+    <p:tnLst>
+      <p:par>
+        <p:cTn id="1" dur="indefinite" restart="never" nodeType="tmRoot">
+          <p:childTnLst>
+            <p:seq concurrent="1" nextAc="seek">
+              <p:cTn id="2" dur="indefinite" nodeType="mainSeq">
+                <p:childTnLst>
+                  <p:par>
+                    <p:cTn id="3" fill="hold">
+                      <p:stCondLst>
+                        <p:cond delay="indefinite"/>
+                      </p:stCondLst>
+                      <p:childTnLst>
+                        <p:par>
+                          <p:cTn id="4" fill="hold">
+                            <p:stCondLst>
+                              <p:cond delay="0"/>
+                            </p:stCondLst>
+                            <p:childTnLst>
+                              <p:par>
+                                <p:cTn id="5" presetID="10" presetClass="entr" presetSubtype="0" fill="hold" nodeType="clickEffect">
+                                  <p:stCondLst>
+                                    <p:cond delay="0"/>
+                                  </p:stCondLst>
+                                  <p:childTnLst>
+                                    <p:set>
+                                      <p:cBhvr>
+                                        <p:cTn id="6" dur="1" fill="hold">
+                                          <p:stCondLst>
+                                            <p:cond delay="0"/>
+                                          </p:stCondLst>
+                                        </p:cTn>
+                                        <p:tgtEl>
+                                          <p:spTgt spid="3">
+                                            <p:txEl>
+                                              <p:pRg st="4" end="4"/>
+                                            </p:txEl>
+                                          </p:spTgt>
+                                        </p:tgtEl>
+                                        <p:attrNameLst>
+                                          <p:attrName>style.visibility</p:attrName>
+                                        </p:attrNameLst>
+                                      </p:cBhvr>
+                                      <p:to>
+                                        <p:strVal val="visible"/>
+                                      </p:to>
+                                    </p:set>
+                                    <p:animEffect transition="in" filter="fade">
+                                      <p:cBhvr>
+                                        <p:cTn id="7" dur="500"/>
+                                        <p:tgtEl>
+                                          <p:spTgt spid="3">
+                                            <p:txEl>
+                                              <p:pRg st="4" end="4"/>
+                                            </p:txEl>
+                                          </p:spTgt>
+                                        </p:tgtEl>
+                                      </p:cBhvr>
+                                    </p:animEffect>
+                                  </p:childTnLst>
+                                </p:cTn>
+                              </p:par>
+                              <p:par>
+                                <p:cTn id="8" presetID="10" presetClass="entr" presetSubtype="0" fill="hold" grpId="0" nodeType="withEffect">
+                                  <p:stCondLst>
+                                    <p:cond delay="0"/>
+                                  </p:stCondLst>
+                                  <p:childTnLst>
+                                    <p:set>
+                                      <p:cBhvr>
+                                        <p:cTn id="9" dur="1" fill="hold">
+                                          <p:stCondLst>
+                                            <p:cond delay="0"/>
+                                          </p:stCondLst>
+                                        </p:cTn>
+                                        <p:tgtEl>
+                                          <p:spTgt spid="4"/>
+                                        </p:tgtEl>
+                                        <p:attrNameLst>
+                                          <p:attrName>style.visibility</p:attrName>
+                                        </p:attrNameLst>
+                                      </p:cBhvr>
+                                      <p:to>
+                                        <p:strVal val="visible"/>
+                                      </p:to>
+                                    </p:set>
+                                    <p:animEffect transition="in" filter="fade">
+                                      <p:cBhvr>
+                                        <p:cTn id="10" dur="500"/>
+                                        <p:tgtEl>
+                                          <p:spTgt spid="4"/>
+                                        </p:tgtEl>
+                                      </p:cBhvr>
+                                    </p:animEffect>
+                                  </p:childTnLst>
+                                </p:cTn>
+                              </p:par>
+                            </p:childTnLst>
+                          </p:cTn>
+                        </p:par>
+                      </p:childTnLst>
+                    </p:cTn>
+                  </p:par>
+                  <p:par>
+                    <p:cTn id="11" fill="hold">
+                      <p:stCondLst>
+                        <p:cond delay="indefinite"/>
+                      </p:stCondLst>
+                      <p:childTnLst>
+                        <p:par>
+                          <p:cTn id="12" fill="hold">
+                            <p:stCondLst>
+                              <p:cond delay="0"/>
+                            </p:stCondLst>
+                            <p:childTnLst>
+                              <p:par>
+                                <p:cTn id="13" presetID="10" presetClass="entr" presetSubtype="0" fill="hold" grpId="0" nodeType="clickEffect">
+                                  <p:stCondLst>
+                                    <p:cond delay="0"/>
+                                  </p:stCondLst>
+                                  <p:childTnLst>
+                                    <p:set>
+                                      <p:cBhvr>
+                                        <p:cTn id="14" dur="1" fill="hold">
+                                          <p:stCondLst>
+                                            <p:cond delay="0"/>
+                                          </p:stCondLst>
+                                        </p:cTn>
+                                        <p:tgtEl>
+                                          <p:spTgt spid="5"/>
+                                        </p:tgtEl>
+                                        <p:attrNameLst>
+                                          <p:attrName>style.visibility</p:attrName>
+                                        </p:attrNameLst>
+                                      </p:cBhvr>
+                                      <p:to>
+                                        <p:strVal val="visible"/>
+                                      </p:to>
+                                    </p:set>
+                                    <p:animEffect transition="in" filter="fade">
+                                      <p:cBhvr>
+                                        <p:cTn id="15" dur="500"/>
+                                        <p:tgtEl>
+                                          <p:spTgt spid="5"/>
+                                        </p:tgtEl>
+                                      </p:cBhvr>
+                                    </p:animEffect>
+                                  </p:childTnLst>
+                                </p:cTn>
+                              </p:par>
+                              <p:par>
+                                <p:cTn id="16" presetID="10" presetClass="entr" presetSubtype="0" fill="hold" grpId="0" nodeType="withEffect">
+                                  <p:stCondLst>
+                                    <p:cond delay="0"/>
+                                  </p:stCondLst>
+                                  <p:childTnLst>
+                                    <p:set>
+                                      <p:cBhvr>
+                                        <p:cTn id="17" dur="1" fill="hold">
+                                          <p:stCondLst>
+                                            <p:cond delay="0"/>
+                                          </p:stCondLst>
+                                        </p:cTn>
+                                        <p:tgtEl>
+                                          <p:spTgt spid="6"/>
+                                        </p:tgtEl>
+                                        <p:attrNameLst>
+                                          <p:attrName>style.visibility</p:attrName>
+                                        </p:attrNameLst>
+                                      </p:cBhvr>
+                                      <p:to>
+                                        <p:strVal val="visible"/>
+                                      </p:to>
+                                    </p:set>
+                                    <p:animEffect transition="in" filter="fade">
+                                      <p:cBhvr>
+                                        <p:cTn id="18" dur="500"/>
+                                        <p:tgtEl>
+                                          <p:spTgt spid="6"/>
+                                        </p:tgtEl>
+                                      </p:cBhvr>
+                                    </p:animEffect>
+                                  </p:childTnLst>
+                                </p:cTn>
+                              </p:par>
+                            </p:childTnLst>
+                          </p:cTn>
+                        </p:par>
+                      </p:childTnLst>
+                    </p:cTn>
+                  </p:par>
+                </p:childTnLst>
+              </p:cTn>
+              <p:prevCondLst>
+                <p:cond evt="onPrev" delay="0">
+                  <p:tgtEl>
+                    <p:sldTgt/>
+                  </p:tgtEl>
+                </p:cond>
+              </p:prevCondLst>
+              <p:nextCondLst>
+                <p:cond evt="onNext" delay="0">
+                  <p:tgtEl>
+                    <p:sldTgt/>
+                  </p:tgtEl>
+                </p:cond>
+              </p:nextCondLst>
+            </p:seq>
+          </p:childTnLst>
+        </p:cTn>
+      </p:par>
+    </p:tnLst>
+    <p:bldLst>
+      <p:bldP spid="4" grpId="0"/>
+      <p:bldP spid="5" grpId="0"/>
+      <p:bldP spid="6" grpId="0"/>
+    </p:bldLst>
+  </p:timing>
 </p:sld>
 </file>
 
@@ -7306,6 +8535,30 @@
           <a:chExt cx="0" cy="0"/>
         </a:xfrm>
       </p:grpSpPr>
+      <p:pic>
+        <p:nvPicPr>
+          <p:cNvPr id="7" name="图片 6"/>
+          <p:cNvPicPr>
+            <a:picLocks noChangeAspect="1"/>
+          </p:cNvPicPr>
+          <p:nvPr/>
+        </p:nvPicPr>
+        <p:blipFill>
+          <a:blip r:embed="rId2"/>
+          <a:stretch>
+            <a:fillRect/>
+          </a:stretch>
+        </p:blipFill>
+        <p:spPr>
+          <a:xfrm>
+            <a:off x="1219200" y="3200400"/>
+            <a:ext cx="6278154" cy="2899909"/>
+          </a:xfrm>
+          <a:prstGeom prst="rect">
+            <a:avLst/>
+          </a:prstGeom>
+        </p:spPr>
+      </p:pic>
       <p:sp>
         <p:nvSpPr>
           <p:cNvPr id="2" name="标题 1"/>
@@ -7322,118 +8575,625 @@
           <a:lstStyle/>
           <a:p>
             <a:r>
-              <a:rPr lang="zh-CN" altLang="en-US" dirty="0"/>
-              <a:t>梯度下降</a:t>
+              <a:rPr lang="zh-CN" altLang="en-US" dirty="0">
+                <a:solidFill>
+                  <a:srgbClr val="FF0000"/>
+                </a:solidFill>
+              </a:rPr>
+              <a:t>交叉熵损失</a:t>
             </a:r>
           </a:p>
         </p:txBody>
       </p:sp>
-      <p:sp>
-        <p:nvSpPr>
-          <p:cNvPr id="3" name="内容占位符 2"/>
-          <p:cNvSpPr>
-            <a:spLocks noGrp="1"/>
-          </p:cNvSpPr>
-          <p:nvPr>
-            <p:ph sz="quarter" idx="1"/>
-          </p:nvPr>
-        </p:nvSpPr>
-        <p:spPr/>
-        <p:txBody>
-          <a:bodyPr/>
-          <a:lstStyle/>
-          <a:p>
-            <a:r>
-              <a:rPr lang="zh-CN" altLang="en-US" dirty="0"/>
-              <a:t>交叉熵损失函数，模型在训练集的风险函数为</a:t>
-            </a:r>
-            <a:endParaRPr lang="en-US" altLang="zh-CN" dirty="0"/>
-          </a:p>
-          <a:p>
-            <a:endParaRPr lang="en-US" altLang="zh-CN" dirty="0"/>
-          </a:p>
-          <a:p>
-            <a:endParaRPr lang="en-US" altLang="zh-CN" dirty="0"/>
-          </a:p>
-          <a:p>
-            <a:endParaRPr lang="en-US" altLang="zh-CN" dirty="0"/>
-          </a:p>
-          <a:p>
-            <a:r>
-              <a:rPr lang="zh-CN" altLang="en-US" dirty="0"/>
-              <a:t>梯度为</a:t>
-            </a:r>
-            <a:endParaRPr lang="en-US" altLang="zh-CN" dirty="0"/>
-          </a:p>
-          <a:p>
-            <a:endParaRPr lang="zh-CN" altLang="en-US" dirty="0"/>
-          </a:p>
-        </p:txBody>
-      </p:sp>
-      <p:pic>
-        <p:nvPicPr>
-          <p:cNvPr id="4" name="图片 3" descr="屏幕剪辑"/>
-          <p:cNvPicPr>
-            <a:picLocks noChangeAspect="1"/>
-          </p:cNvPicPr>
-          <p:nvPr/>
-        </p:nvPicPr>
-        <p:blipFill>
-          <a:blip r:embed="rId2">
-            <a:extLst>
-              <a:ext uri="{28A0092B-C50C-407E-A947-70E740481C1C}">
-                <a14:useLocalDpi xmlns:a14="http://schemas.microsoft.com/office/drawing/2010/main"/>
-              </a:ext>
-            </a:extLst>
-          </a:blip>
-          <a:stretch>
-            <a:fillRect/>
-          </a:stretch>
-        </p:blipFill>
-        <p:spPr>
-          <a:xfrm>
-            <a:off x="685800" y="2749884"/>
-            <a:ext cx="8306959" cy="828791"/>
-          </a:xfrm>
-          <a:prstGeom prst="rect">
-            <a:avLst/>
-          </a:prstGeom>
-        </p:spPr>
-      </p:pic>
-      <p:pic>
-        <p:nvPicPr>
-          <p:cNvPr id="6" name="图片 5" descr="屏幕剪辑"/>
-          <p:cNvPicPr>
-            <a:picLocks noChangeAspect="1"/>
-          </p:cNvPicPr>
-          <p:nvPr/>
-        </p:nvPicPr>
-        <p:blipFill>
-          <a:blip r:embed="rId3">
-            <a:extLst>
-              <a:ext uri="{28A0092B-C50C-407E-A947-70E740481C1C}">
-                <a14:useLocalDpi xmlns:a14="http://schemas.microsoft.com/office/drawing/2010/main"/>
-              </a:ext>
-            </a:extLst>
-          </a:blip>
-          <a:stretch>
-            <a:fillRect/>
-          </a:stretch>
-        </p:blipFill>
-        <p:spPr>
-          <a:xfrm>
-            <a:off x="1752600" y="4742584"/>
-            <a:ext cx="5239481" cy="885949"/>
-          </a:xfrm>
-          <a:prstGeom prst="rect">
-            <a:avLst/>
-          </a:prstGeom>
-        </p:spPr>
-      </p:pic>
+      <mc:AlternateContent xmlns:mc="http://schemas.openxmlformats.org/markup-compatibility/2006" xmlns:a14="http://schemas.microsoft.com/office/drawing/2010/main">
+        <mc:Choice Requires="a14">
+          <p:sp>
+            <p:nvSpPr>
+              <p:cNvPr id="4" name="矩形 3"/>
+              <p:cNvSpPr/>
+              <p:nvPr/>
+            </p:nvSpPr>
+            <p:spPr>
+              <a:xfrm>
+                <a:off x="1600200" y="2599297"/>
+                <a:ext cx="1862176" cy="369332"/>
+              </a:xfrm>
+              <a:prstGeom prst="rect">
+                <a:avLst/>
+              </a:prstGeom>
+            </p:spPr>
+            <p:txBody>
+              <a:bodyPr wrap="none">
+                <a:spAutoFit/>
+              </a:bodyPr>
+              <a:lstStyle/>
+              <a:p>
+                <a:r>
+                  <a:rPr lang="zh-CN" altLang="en-US" dirty="0">
+                    <a:solidFill>
+                      <a:srgbClr val="FF0000"/>
+                    </a:solidFill>
+                  </a:rPr>
+                  <a:t>真实概率</a:t>
+                </a:r>
+                <a14:m>
+                  <m:oMath xmlns:m="http://schemas.openxmlformats.org/officeDocument/2006/math">
+                    <m:sSub>
+                      <m:sSubPr>
+                        <m:ctrlPr>
+                          <a:rPr lang="en-US" altLang="zh-CN" i="1">
+                            <a:solidFill>
+                              <a:srgbClr val="FF0000"/>
+                            </a:solidFill>
+                            <a:latin typeface="Cambria Math" panose="02040503050406030204" pitchFamily="18" charset="0"/>
+                          </a:rPr>
+                        </m:ctrlPr>
+                      </m:sSubPr>
+                      <m:e>
+                        <m:r>
+                          <a:rPr lang="en-US" altLang="zh-CN" i="1">
+                            <a:solidFill>
+                              <a:srgbClr val="FF0000"/>
+                            </a:solidFill>
+                            <a:latin typeface="Cambria Math" panose="02040503050406030204" pitchFamily="18" charset="0"/>
+                          </a:rPr>
+                          <m:t>𝑝</m:t>
+                        </m:r>
+                      </m:e>
+                      <m:sub>
+                        <m:r>
+                          <a:rPr lang="en-US" altLang="zh-CN" i="1">
+                            <a:solidFill>
+                              <a:srgbClr val="FF0000"/>
+                            </a:solidFill>
+                            <a:latin typeface="Cambria Math" panose="02040503050406030204" pitchFamily="18" charset="0"/>
+                          </a:rPr>
+                          <m:t>𝑟</m:t>
+                        </m:r>
+                      </m:sub>
+                    </m:sSub>
+                    <m:r>
+                      <a:rPr lang="en-US" altLang="zh-CN" i="1">
+                        <a:solidFill>
+                          <a:srgbClr val="FF0000"/>
+                        </a:solidFill>
+                        <a:latin typeface="Cambria Math" panose="02040503050406030204" pitchFamily="18" charset="0"/>
+                      </a:rPr>
+                      <m:t>(</m:t>
+                    </m:r>
+                    <m:r>
+                      <a:rPr lang="en-US" altLang="zh-CN" i="1">
+                        <a:solidFill>
+                          <a:srgbClr val="FF0000"/>
+                        </a:solidFill>
+                        <a:latin typeface="Cambria Math" panose="02040503050406030204" pitchFamily="18" charset="0"/>
+                      </a:rPr>
+                      <m:t>𝑦</m:t>
+                    </m:r>
+                    <m:r>
+                      <a:rPr lang="en-US" altLang="zh-CN" i="1">
+                        <a:solidFill>
+                          <a:srgbClr val="FF0000"/>
+                        </a:solidFill>
+                        <a:latin typeface="Cambria Math" panose="02040503050406030204" pitchFamily="18" charset="0"/>
+                      </a:rPr>
+                      <m:t>|</m:t>
+                    </m:r>
+                    <m:r>
+                      <a:rPr lang="en-US" altLang="zh-CN" i="1">
+                        <a:solidFill>
+                          <a:srgbClr val="FF0000"/>
+                        </a:solidFill>
+                        <a:latin typeface="Cambria Math" panose="02040503050406030204" pitchFamily="18" charset="0"/>
+                      </a:rPr>
+                      <m:t>𝑥</m:t>
+                    </m:r>
+                    <m:r>
+                      <a:rPr lang="en-US" altLang="zh-CN" i="1">
+                        <a:solidFill>
+                          <a:srgbClr val="FF0000"/>
+                        </a:solidFill>
+                        <a:latin typeface="Cambria Math" panose="02040503050406030204" pitchFamily="18" charset="0"/>
+                      </a:rPr>
+                      <m:t>)</m:t>
+                    </m:r>
+                  </m:oMath>
+                </a14:m>
+                <a:endParaRPr lang="en-US" altLang="zh-CN" dirty="0">
+                  <a:solidFill>
+                    <a:srgbClr val="FF0000"/>
+                  </a:solidFill>
+                </a:endParaRPr>
+              </a:p>
+            </p:txBody>
+          </p:sp>
+        </mc:Choice>
+        <mc:Fallback xmlns="">
+          <p:sp>
+            <p:nvSpPr>
+              <p:cNvPr id="4" name="矩形 3"/>
+              <p:cNvSpPr>
+                <a:spLocks noRot="1" noChangeAspect="1" noMove="1" noResize="1" noEditPoints="1" noAdjustHandles="1" noChangeArrowheads="1" noChangeShapeType="1" noTextEdit="1"/>
+              </p:cNvSpPr>
+              <p:nvPr/>
+            </p:nvSpPr>
+            <p:spPr>
+              <a:xfrm>
+                <a:off x="1600200" y="2599297"/>
+                <a:ext cx="1862176" cy="369332"/>
+              </a:xfrm>
+              <a:prstGeom prst="rect">
+                <a:avLst/>
+              </a:prstGeom>
+              <a:blipFill>
+                <a:blip r:embed="rId3"/>
+                <a:stretch>
+                  <a:fillRect l="-2951" t="-6557" r="-656" b="-26230"/>
+                </a:stretch>
+              </a:blipFill>
+            </p:spPr>
+            <p:txBody>
+              <a:bodyPr/>
+              <a:lstStyle/>
+              <a:p>
+                <a:r>
+                  <a:rPr lang="zh-CN" altLang="en-US">
+                    <a:noFill/>
+                  </a:rPr>
+                  <a:t> </a:t>
+                </a:r>
+              </a:p>
+            </p:txBody>
+          </p:sp>
+        </mc:Fallback>
+      </mc:AlternateContent>
+      <mc:AlternateContent xmlns:mc="http://schemas.openxmlformats.org/markup-compatibility/2006" xmlns:a14="http://schemas.microsoft.com/office/drawing/2010/main">
+        <mc:Choice Requires="a14">
+          <p:sp>
+            <p:nvSpPr>
+              <p:cNvPr id="8" name="矩形 7"/>
+              <p:cNvSpPr/>
+              <p:nvPr/>
+            </p:nvSpPr>
+            <p:spPr>
+              <a:xfrm>
+                <a:off x="4876800" y="2599297"/>
+                <a:ext cx="3314241" cy="369332"/>
+              </a:xfrm>
+              <a:prstGeom prst="rect">
+                <a:avLst/>
+              </a:prstGeom>
+            </p:spPr>
+            <p:txBody>
+              <a:bodyPr wrap="none">
+                <a:spAutoFit/>
+              </a:bodyPr>
+              <a:lstStyle/>
+              <a:p>
+                <a:r>
+                  <a:rPr lang="zh-CN" altLang="en-US" dirty="0">
+                    <a:solidFill>
+                      <a:srgbClr val="FF0000"/>
+                    </a:solidFill>
+                  </a:rPr>
+                  <a:t>预测概率的负对数</a:t>
+                </a:r>
+                <a14:m>
+                  <m:oMath xmlns:m="http://schemas.openxmlformats.org/officeDocument/2006/math">
+                    <m:func>
+                      <m:funcPr>
+                        <m:ctrlPr>
+                          <a:rPr lang="en-US" altLang="zh-CN" b="0" i="1" smtClean="0">
+                            <a:solidFill>
+                              <a:srgbClr val="FF0000"/>
+                            </a:solidFill>
+                            <a:latin typeface="Cambria Math" panose="02040503050406030204" pitchFamily="18" charset="0"/>
+                          </a:rPr>
+                        </m:ctrlPr>
+                      </m:funcPr>
+                      <m:fName>
+                        <m:r>
+                          <a:rPr lang="en-US" altLang="zh-CN" b="0" i="0" smtClean="0">
+                            <a:solidFill>
+                              <a:srgbClr val="FF0000"/>
+                            </a:solidFill>
+                            <a:latin typeface="Cambria Math" panose="02040503050406030204" pitchFamily="18" charset="0"/>
+                          </a:rPr>
+                          <m:t>−</m:t>
+                        </m:r>
+                        <m:r>
+                          <m:rPr>
+                            <m:sty m:val="p"/>
+                          </m:rPr>
+                          <a:rPr lang="en-US" altLang="zh-CN" b="0" i="0" smtClean="0">
+                            <a:solidFill>
+                              <a:srgbClr val="FF0000"/>
+                            </a:solidFill>
+                            <a:latin typeface="Cambria Math" panose="02040503050406030204" pitchFamily="18" charset="0"/>
+                          </a:rPr>
+                          <m:t>log</m:t>
+                        </m:r>
+                      </m:fName>
+                      <m:e>
+                        <m:sSub>
+                          <m:sSubPr>
+                            <m:ctrlPr>
+                              <a:rPr lang="en-US" altLang="zh-CN" i="1">
+                                <a:solidFill>
+                                  <a:srgbClr val="FF0000"/>
+                                </a:solidFill>
+                                <a:latin typeface="Cambria Math" panose="02040503050406030204" pitchFamily="18" charset="0"/>
+                              </a:rPr>
+                            </m:ctrlPr>
+                          </m:sSubPr>
+                          <m:e>
+                            <m:r>
+                              <a:rPr lang="en-US" altLang="zh-CN" i="1">
+                                <a:solidFill>
+                                  <a:srgbClr val="FF0000"/>
+                                </a:solidFill>
+                                <a:latin typeface="Cambria Math" panose="02040503050406030204" pitchFamily="18" charset="0"/>
+                              </a:rPr>
+                              <m:t>𝑝</m:t>
+                            </m:r>
+                          </m:e>
+                          <m:sub>
+                            <m:r>
+                              <a:rPr lang="en-US" altLang="zh-CN" i="1">
+                                <a:solidFill>
+                                  <a:srgbClr val="FF0000"/>
+                                </a:solidFill>
+                                <a:latin typeface="Cambria Math" panose="02040503050406030204" pitchFamily="18" charset="0"/>
+                              </a:rPr>
+                              <m:t>𝜃</m:t>
+                            </m:r>
+                          </m:sub>
+                        </m:sSub>
+                        <m:r>
+                          <a:rPr lang="en-US" altLang="zh-CN" i="1">
+                            <a:solidFill>
+                              <a:srgbClr val="FF0000"/>
+                            </a:solidFill>
+                            <a:latin typeface="Cambria Math" panose="02040503050406030204" pitchFamily="18" charset="0"/>
+                          </a:rPr>
+                          <m:t>(</m:t>
+                        </m:r>
+                        <m:r>
+                          <a:rPr lang="en-US" altLang="zh-CN" i="1">
+                            <a:solidFill>
+                              <a:srgbClr val="FF0000"/>
+                            </a:solidFill>
+                            <a:latin typeface="Cambria Math" panose="02040503050406030204" pitchFamily="18" charset="0"/>
+                          </a:rPr>
+                          <m:t>𝑦</m:t>
+                        </m:r>
+                        <m:r>
+                          <a:rPr lang="en-US" altLang="zh-CN" i="1">
+                            <a:solidFill>
+                              <a:srgbClr val="FF0000"/>
+                            </a:solidFill>
+                            <a:latin typeface="Cambria Math" panose="02040503050406030204" pitchFamily="18" charset="0"/>
+                          </a:rPr>
+                          <m:t>|</m:t>
+                        </m:r>
+                        <m:r>
+                          <a:rPr lang="en-US" altLang="zh-CN" i="1">
+                            <a:solidFill>
+                              <a:srgbClr val="FF0000"/>
+                            </a:solidFill>
+                            <a:latin typeface="Cambria Math" panose="02040503050406030204" pitchFamily="18" charset="0"/>
+                          </a:rPr>
+                          <m:t>𝑥</m:t>
+                        </m:r>
+                        <m:r>
+                          <a:rPr lang="en-US" altLang="zh-CN" i="1">
+                            <a:solidFill>
+                              <a:srgbClr val="FF0000"/>
+                            </a:solidFill>
+                            <a:latin typeface="Cambria Math" panose="02040503050406030204" pitchFamily="18" charset="0"/>
+                          </a:rPr>
+                          <m:t>)</m:t>
+                        </m:r>
+                      </m:e>
+                    </m:func>
+                  </m:oMath>
+                </a14:m>
+                <a:endParaRPr lang="zh-CN" altLang="en-US" dirty="0">
+                  <a:solidFill>
+                    <a:srgbClr val="FF0000"/>
+                  </a:solidFill>
+                </a:endParaRPr>
+              </a:p>
+            </p:txBody>
+          </p:sp>
+        </mc:Choice>
+        <mc:Fallback xmlns="">
+          <p:sp>
+            <p:nvSpPr>
+              <p:cNvPr id="8" name="矩形 7"/>
+              <p:cNvSpPr>
+                <a:spLocks noRot="1" noChangeAspect="1" noMove="1" noResize="1" noEditPoints="1" noAdjustHandles="1" noChangeArrowheads="1" noChangeShapeType="1" noTextEdit="1"/>
+              </p:cNvSpPr>
+              <p:nvPr/>
+            </p:nvSpPr>
+            <p:spPr>
+              <a:xfrm>
+                <a:off x="4876800" y="2599297"/>
+                <a:ext cx="3314241" cy="369332"/>
+              </a:xfrm>
+              <a:prstGeom prst="rect">
+                <a:avLst/>
+              </a:prstGeom>
+              <a:blipFill>
+                <a:blip r:embed="rId4"/>
+                <a:stretch>
+                  <a:fillRect l="-1471" t="-6557" r="-184" b="-26230"/>
+                </a:stretch>
+              </a:blipFill>
+            </p:spPr>
+            <p:txBody>
+              <a:bodyPr/>
+              <a:lstStyle/>
+              <a:p>
+                <a:r>
+                  <a:rPr lang="zh-CN" altLang="en-US">
+                    <a:noFill/>
+                  </a:rPr>
+                  <a:t> </a:t>
+                </a:r>
+              </a:p>
+            </p:txBody>
+          </p:sp>
+        </mc:Fallback>
+      </mc:AlternateContent>
+      <mc:AlternateContent xmlns:mc="http://schemas.openxmlformats.org/markup-compatibility/2006" xmlns:a14="http://schemas.microsoft.com/office/drawing/2010/main">
+        <mc:Choice Requires="a14">
+          <p:sp>
+            <p:nvSpPr>
+              <p:cNvPr id="11" name="文本框 10"/>
+              <p:cNvSpPr txBox="1"/>
+              <p:nvPr/>
+            </p:nvSpPr>
+            <p:spPr>
+              <a:xfrm>
+                <a:off x="2950231" y="1394972"/>
+                <a:ext cx="2816092" cy="1088439"/>
+              </a:xfrm>
+              <a:prstGeom prst="rect">
+                <a:avLst/>
+              </a:prstGeom>
+              <a:noFill/>
+            </p:spPr>
+            <p:txBody>
+              <a:bodyPr wrap="none" lIns="0" tIns="0" rIns="0" bIns="0" rtlCol="0">
+                <a:spAutoFit/>
+              </a:bodyPr>
+              <a:lstStyle/>
+              <a:p>
+                <a:pPr/>
+                <a14:m>
+                  <m:oMathPara xmlns:m="http://schemas.openxmlformats.org/officeDocument/2006/math">
+                    <m:oMathParaPr>
+                      <m:jc m:val="centerGroup"/>
+                    </m:oMathParaPr>
+                    <m:oMath xmlns:m="http://schemas.openxmlformats.org/officeDocument/2006/math">
+                      <m:r>
+                        <a:rPr lang="en-US" altLang="zh-CN" b="0" i="1" smtClean="0">
+                          <a:latin typeface="Cambria Math" panose="02040503050406030204" pitchFamily="18" charset="0"/>
+                          <a:ea typeface="Cambria Math" panose="02040503050406030204" pitchFamily="18" charset="0"/>
+                        </a:rPr>
+                        <m:t>−</m:t>
+                      </m:r>
+                      <m:nary>
+                        <m:naryPr>
+                          <m:chr m:val="∑"/>
+                          <m:ctrlPr>
+                            <a:rPr lang="en-US" altLang="zh-CN" b="0" i="1" smtClean="0">
+                              <a:latin typeface="Cambria Math" panose="02040503050406030204" pitchFamily="18" charset="0"/>
+                            </a:rPr>
+                          </m:ctrlPr>
+                        </m:naryPr>
+                        <m:sub>
+                          <m:r>
+                            <a:rPr lang="en-US" altLang="zh-CN" b="0" i="1" smtClean="0">
+                              <a:latin typeface="Cambria Math" panose="02040503050406030204" pitchFamily="18" charset="0"/>
+                            </a:rPr>
+                            <m:t>𝑦</m:t>
+                          </m:r>
+                          <m:r>
+                            <a:rPr lang="en-US" altLang="zh-CN" b="0" i="1" smtClean="0">
+                              <a:latin typeface="Cambria Math" panose="02040503050406030204" pitchFamily="18" charset="0"/>
+                            </a:rPr>
+                            <m:t>=1</m:t>
+                          </m:r>
+                        </m:sub>
+                        <m:sup>
+                          <m:r>
+                            <a:rPr lang="en-US" altLang="zh-CN" b="0" i="1" smtClean="0">
+                              <a:latin typeface="Cambria Math" panose="02040503050406030204" pitchFamily="18" charset="0"/>
+                            </a:rPr>
+                            <m:t>𝐶</m:t>
+                          </m:r>
+                        </m:sup>
+                        <m:e>
+                          <m:sSub>
+                            <m:sSubPr>
+                              <m:ctrlPr>
+                                <a:rPr lang="en-US" altLang="zh-CN" i="1">
+                                  <a:latin typeface="Cambria Math" panose="02040503050406030204" pitchFamily="18" charset="0"/>
+                                </a:rPr>
+                              </m:ctrlPr>
+                            </m:sSubPr>
+                            <m:e>
+                              <m:r>
+                                <a:rPr lang="en-US" altLang="zh-CN" i="1">
+                                  <a:latin typeface="Cambria Math" panose="02040503050406030204" pitchFamily="18" charset="0"/>
+                                </a:rPr>
+                                <m:t>𝑝</m:t>
+                              </m:r>
+                            </m:e>
+                            <m:sub>
+                              <m:r>
+                                <a:rPr lang="en-US" altLang="zh-CN" i="1">
+                                  <a:latin typeface="Cambria Math" panose="02040503050406030204" pitchFamily="18" charset="0"/>
+                                </a:rPr>
+                                <m:t>𝑟</m:t>
+                              </m:r>
+                            </m:sub>
+                          </m:sSub>
+                          <m:d>
+                            <m:dPr>
+                              <m:ctrlPr>
+                                <a:rPr lang="en-US" altLang="zh-CN" i="1">
+                                  <a:latin typeface="Cambria Math" panose="02040503050406030204" pitchFamily="18" charset="0"/>
+                                </a:rPr>
+                              </m:ctrlPr>
+                            </m:dPr>
+                            <m:e>
+                              <m:r>
+                                <a:rPr lang="en-US" altLang="zh-CN" i="1">
+                                  <a:latin typeface="Cambria Math" panose="02040503050406030204" pitchFamily="18" charset="0"/>
+                                </a:rPr>
+                                <m:t>𝑦</m:t>
+                              </m:r>
+                            </m:e>
+                            <m:e>
+                              <m:r>
+                                <a:rPr lang="en-US" altLang="zh-CN" i="1">
+                                  <a:latin typeface="Cambria Math" panose="02040503050406030204" pitchFamily="18" charset="0"/>
+                                </a:rPr>
+                                <m:t>𝑥</m:t>
+                              </m:r>
+                            </m:e>
+                          </m:d>
+                          <m:func>
+                            <m:funcPr>
+                              <m:ctrlPr>
+                                <a:rPr lang="en-US" altLang="zh-CN" b="0" i="1" smtClean="0">
+                                  <a:latin typeface="Cambria Math" panose="02040503050406030204" pitchFamily="18" charset="0"/>
+                                </a:rPr>
+                              </m:ctrlPr>
+                            </m:funcPr>
+                            <m:fName>
+                              <m:r>
+                                <m:rPr>
+                                  <m:sty m:val="p"/>
+                                </m:rPr>
+                                <a:rPr lang="en-US" altLang="zh-CN" b="0" i="0" smtClean="0">
+                                  <a:latin typeface="Cambria Math" panose="02040503050406030204" pitchFamily="18" charset="0"/>
+                                </a:rPr>
+                                <m:t>log</m:t>
+                              </m:r>
+                            </m:fName>
+                            <m:e>
+                              <m:sSub>
+                                <m:sSubPr>
+                                  <m:ctrlPr>
+                                    <a:rPr lang="en-US" altLang="zh-CN" i="1">
+                                      <a:latin typeface="Cambria Math" panose="02040503050406030204" pitchFamily="18" charset="0"/>
+                                    </a:rPr>
+                                  </m:ctrlPr>
+                                </m:sSubPr>
+                                <m:e>
+                                  <m:r>
+                                    <a:rPr lang="en-US" altLang="zh-CN" i="1">
+                                      <a:latin typeface="Cambria Math" panose="02040503050406030204" pitchFamily="18" charset="0"/>
+                                    </a:rPr>
+                                    <m:t>𝑝</m:t>
+                                  </m:r>
+                                </m:e>
+                                <m:sub>
+                                  <m:r>
+                                    <a:rPr lang="en-US" altLang="zh-CN" i="1">
+                                      <a:latin typeface="Cambria Math" panose="02040503050406030204" pitchFamily="18" charset="0"/>
+                                    </a:rPr>
+                                    <m:t>𝜃</m:t>
+                                  </m:r>
+                                </m:sub>
+                              </m:sSub>
+                              <m:d>
+                                <m:dPr>
+                                  <m:ctrlPr>
+                                    <a:rPr lang="en-US" altLang="zh-CN" i="1">
+                                      <a:latin typeface="Cambria Math" panose="02040503050406030204" pitchFamily="18" charset="0"/>
+                                    </a:rPr>
+                                  </m:ctrlPr>
+                                </m:dPr>
+                                <m:e>
+                                  <m:r>
+                                    <a:rPr lang="en-US" altLang="zh-CN" i="1">
+                                      <a:latin typeface="Cambria Math" panose="02040503050406030204" pitchFamily="18" charset="0"/>
+                                    </a:rPr>
+                                    <m:t>𝑦</m:t>
+                                  </m:r>
+                                </m:e>
+                                <m:e>
+                                  <m:r>
+                                    <a:rPr lang="en-US" altLang="zh-CN" i="1">
+                                      <a:latin typeface="Cambria Math" panose="02040503050406030204" pitchFamily="18" charset="0"/>
+                                    </a:rPr>
+                                    <m:t>𝑥</m:t>
+                                  </m:r>
+                                </m:e>
+                              </m:d>
+                            </m:e>
+                          </m:func>
+                        </m:e>
+                      </m:nary>
+                    </m:oMath>
+                  </m:oMathPara>
+                </a14:m>
+                <a:endParaRPr lang="en-US" altLang="zh-CN" dirty="0"/>
+              </a:p>
+              <a:p>
+                <a:endParaRPr lang="en-US" altLang="zh-CN" dirty="0"/>
+              </a:p>
+            </p:txBody>
+          </p:sp>
+        </mc:Choice>
+        <mc:Fallback xmlns="">
+          <p:sp>
+            <p:nvSpPr>
+              <p:cNvPr id="11" name="文本框 10"/>
+              <p:cNvSpPr txBox="1">
+                <a:spLocks noRot="1" noChangeAspect="1" noMove="1" noResize="1" noEditPoints="1" noAdjustHandles="1" noChangeArrowheads="1" noChangeShapeType="1" noTextEdit="1"/>
+              </p:cNvSpPr>
+              <p:nvPr/>
+            </p:nvSpPr>
+            <p:spPr>
+              <a:xfrm>
+                <a:off x="2950231" y="1394972"/>
+                <a:ext cx="2816092" cy="1088439"/>
+              </a:xfrm>
+              <a:prstGeom prst="rect">
+                <a:avLst/>
+              </a:prstGeom>
+              <a:blipFill>
+                <a:blip r:embed="rId5"/>
+                <a:stretch>
+                  <a:fillRect/>
+                </a:stretch>
+              </a:blipFill>
+            </p:spPr>
+            <p:txBody>
+              <a:bodyPr/>
+              <a:lstStyle/>
+              <a:p>
+                <a:r>
+                  <a:rPr lang="zh-CN" altLang="en-US">
+                    <a:noFill/>
+                  </a:rPr>
+                  <a:t> </a:t>
+                </a:r>
+              </a:p>
+            </p:txBody>
+          </p:sp>
+        </mc:Fallback>
+      </mc:AlternateContent>
     </p:spTree>
     <p:extLst>
       <p:ext uri="{BB962C8B-B14F-4D97-AF65-F5344CB8AC3E}">
-        <p14:creationId xmlns:p14="http://schemas.microsoft.com/office/powerpoint/2010/main" val="354613669"/>
+        <p14:creationId xmlns:p14="http://schemas.microsoft.com/office/powerpoint/2010/main" val="183622287"/>
       </p:ext>
     </p:extLst>
   </p:cSld>
@@ -7476,13 +9236,10 @@
           <a:lstStyle/>
           <a:p>
             <a:r>
-              <a:rPr lang="en-US" altLang="zh-CN" dirty="0"/>
-              <a:t>Softmax</a:t>
-            </a:r>
-            <a:r>
               <a:rPr lang="zh-CN" altLang="en-US" dirty="0"/>
-              <a:t>回归</a:t>
-            </a:r>
+              <a:t>交叉熵损失函数</a:t>
+            </a:r>
+            <a:endParaRPr lang="en-US" altLang="zh-CN" dirty="0"/>
           </a:p>
         </p:txBody>
       </p:sp>
@@ -7501,21 +9258,10 @@
           <a:bodyPr/>
           <a:lstStyle/>
           <a:p>
-            <a:r>
-              <a:rPr lang="en-US" altLang="zh-CN" dirty="0"/>
-              <a:t>Softmax</a:t>
-            </a:r>
+            <a:pPr lvl="1"/>
             <a:r>
               <a:rPr lang="zh-CN" altLang="en-US" dirty="0"/>
-              <a:t>回归是</a:t>
-            </a:r>
-            <a:r>
-              <a:rPr lang="en-US" altLang="zh-CN" dirty="0"/>
-              <a:t>logistic</a:t>
-            </a:r>
-            <a:r>
-              <a:rPr lang="zh-CN" altLang="en-US" dirty="0"/>
-              <a:t>回归的多类推广。</a:t>
+              <a:t>负对数似然损失函数</a:t>
             </a:r>
             <a:endParaRPr lang="en-US" altLang="zh-CN" dirty="0"/>
           </a:p>
@@ -7523,35 +9269,44 @@
             <a:endParaRPr lang="en-US" altLang="zh-CN" dirty="0"/>
           </a:p>
           <a:p>
-            <a:pPr marL="0" indent="0">
+            <a:pPr marL="205978" lvl="1" indent="0">
               <a:buNone/>
             </a:pPr>
             <a:endParaRPr lang="en-US" altLang="zh-CN" dirty="0"/>
           </a:p>
           <a:p>
+            <a:pPr lvl="1"/>
+            <a:r>
+              <a:rPr lang="zh-CN" altLang="en-US" dirty="0"/>
+              <a:t>对于一个三类分类问题，类别为</a:t>
+            </a:r>
+            <a:r>
+              <a:rPr lang="en-US" altLang="zh-CN" dirty="0"/>
+              <a:t>[0,0,1]</a:t>
+            </a:r>
+            <a:r>
+              <a:rPr lang="zh-CN" altLang="en-US" dirty="0"/>
+              <a:t>，预测的类别概率为</a:t>
+            </a:r>
+            <a:r>
+              <a:rPr lang="en-US" altLang="zh-CN" dirty="0"/>
+              <a:t>[0.3,0.3,0.4]</a:t>
+            </a:r>
+            <a:r>
+              <a:rPr lang="zh-CN" altLang="en-US" dirty="0"/>
+              <a:t>，则</a:t>
+            </a:r>
             <a:endParaRPr lang="en-US" altLang="zh-CN" dirty="0"/>
           </a:p>
           <a:p>
-            <a:r>
-              <a:rPr lang="zh-CN" altLang="en-US" dirty="0"/>
-              <a:t>利用</a:t>
-            </a:r>
-            <a:r>
-              <a:rPr lang="en-US" altLang="zh-CN" dirty="0"/>
-              <a:t>softmax</a:t>
-            </a:r>
-            <a:r>
-              <a:rPr lang="zh-CN" altLang="en-US" dirty="0"/>
-              <a:t>函数，我们定义目标类别</a:t>
-            </a:r>
-            <a:r>
-              <a:rPr lang="en-US" altLang="zh-CN" dirty="0"/>
-              <a:t>y = c</a:t>
-            </a:r>
-            <a:r>
-              <a:rPr lang="zh-CN" altLang="en-US" dirty="0"/>
-              <a:t>的后验概率为：</a:t>
-            </a:r>
+            <a:pPr lvl="1"/>
+            <a:endParaRPr lang="en-US" altLang="zh-CN" dirty="0"/>
+          </a:p>
+          <a:p>
+            <a:endParaRPr lang="en-US" altLang="zh-CN" dirty="0"/>
+          </a:p>
+          <a:p>
+            <a:endParaRPr lang="en-US" altLang="zh-CN" dirty="0"/>
           </a:p>
         </p:txBody>
       </p:sp>
@@ -7567,7 +9322,7 @@
           <a:blip r:embed="rId2">
             <a:extLst>
               <a:ext uri="{28A0092B-C50C-407E-A947-70E740481C1C}">
-                <a14:useLocalDpi xmlns:a14="http://schemas.microsoft.com/office/drawing/2010/main"/>
+                <a14:useLocalDpi xmlns:a14="http://schemas.microsoft.com/office/drawing/2010/main" val="0"/>
               </a:ext>
             </a:extLst>
           </a:blip>
@@ -7577,8 +9332,8 @@
         </p:blipFill>
         <p:spPr>
           <a:xfrm>
-            <a:off x="3124200" y="1886892"/>
-            <a:ext cx="2743200" cy="985962"/>
+            <a:off x="838200" y="5151944"/>
+            <a:ext cx="6456836" cy="1124064"/>
           </a:xfrm>
           <a:prstGeom prst="rect">
             <a:avLst/>
@@ -7597,7 +9352,7 @@
           <a:blip r:embed="rId3">
             <a:extLst>
               <a:ext uri="{28A0092B-C50C-407E-A947-70E740481C1C}">
-                <a14:useLocalDpi xmlns:a14="http://schemas.microsoft.com/office/drawing/2010/main"/>
+                <a14:useLocalDpi xmlns:a14="http://schemas.microsoft.com/office/drawing/2010/main" val="0"/>
               </a:ext>
             </a:extLst>
           </a:blip>
@@ -7607,8 +9362,38 @@
         </p:blipFill>
         <p:spPr>
           <a:xfrm>
-            <a:off x="2362200" y="4542550"/>
-            <a:ext cx="4267200" cy="1630452"/>
+            <a:off x="1714762" y="3470630"/>
+            <a:ext cx="4703712" cy="1762462"/>
+          </a:xfrm>
+          <a:prstGeom prst="rect">
+            <a:avLst/>
+          </a:prstGeom>
+        </p:spPr>
+      </p:pic>
+      <p:pic>
+        <p:nvPicPr>
+          <p:cNvPr id="6" name="图片 5" descr="屏幕剪辑"/>
+          <p:cNvPicPr>
+            <a:picLocks noChangeAspect="1"/>
+          </p:cNvPicPr>
+          <p:nvPr/>
+        </p:nvPicPr>
+        <p:blipFill>
+          <a:blip r:embed="rId4">
+            <a:extLst>
+              <a:ext uri="{28A0092B-C50C-407E-A947-70E740481C1C}">
+                <a14:useLocalDpi xmlns:a14="http://schemas.microsoft.com/office/drawing/2010/main" val="0"/>
+              </a:ext>
+            </a:extLst>
+          </a:blip>
+          <a:stretch>
+            <a:fillRect/>
+          </a:stretch>
+        </p:blipFill>
+        <p:spPr>
+          <a:xfrm>
+            <a:off x="2624223" y="1752600"/>
+            <a:ext cx="2884790" cy="647717"/>
           </a:xfrm>
           <a:prstGeom prst="rect">
             <a:avLst/>
@@ -7618,7 +9403,7 @@
     </p:spTree>
     <p:extLst>
       <p:ext uri="{BB962C8B-B14F-4D97-AF65-F5344CB8AC3E}">
-        <p14:creationId xmlns:p14="http://schemas.microsoft.com/office/powerpoint/2010/main" val="961896786"/>
+        <p14:creationId xmlns:p14="http://schemas.microsoft.com/office/powerpoint/2010/main" val="2459107654"/>
       </p:ext>
     </p:extLst>
   </p:cSld>
@@ -7661,6 +9446,554 @@
           <a:lstStyle/>
           <a:p>
             <a:r>
+              <a:rPr lang="en-US" altLang="zh-CN" dirty="0"/>
+              <a:t>Logistic</a:t>
+            </a:r>
+            <a:r>
+              <a:rPr lang="zh-CN" altLang="en-US" dirty="0"/>
+              <a:t>回归</a:t>
+            </a:r>
+          </a:p>
+        </p:txBody>
+      </p:sp>
+      <p:pic>
+        <p:nvPicPr>
+          <p:cNvPr id="5" name="内容占位符 4" descr="屏幕剪辑"/>
+          <p:cNvPicPr>
+            <a:picLocks noGrp="1" noChangeAspect="1"/>
+          </p:cNvPicPr>
+          <p:nvPr>
+            <p:ph sz="quarter" idx="1"/>
+          </p:nvPr>
+        </p:nvPicPr>
+        <p:blipFill>
+          <a:blip r:embed="rId2">
+            <a:extLst>
+              <a:ext uri="{28A0092B-C50C-407E-A947-70E740481C1C}">
+                <a14:useLocalDpi xmlns:a14="http://schemas.microsoft.com/office/drawing/2010/main"/>
+              </a:ext>
+            </a:extLst>
+          </a:blip>
+          <a:stretch>
+            <a:fillRect/>
+          </a:stretch>
+        </p:blipFill>
+        <p:spPr>
+          <a:xfrm>
+            <a:off x="1328285" y="1258548"/>
+            <a:ext cx="6487430" cy="4858428"/>
+          </a:xfrm>
+        </p:spPr>
+      </p:pic>
+    </p:spTree>
+    <p:extLst>
+      <p:ext uri="{BB962C8B-B14F-4D97-AF65-F5344CB8AC3E}">
+        <p14:creationId xmlns:p14="http://schemas.microsoft.com/office/powerpoint/2010/main" val="695271864"/>
+      </p:ext>
+    </p:extLst>
+  </p:cSld>
+  <p:clrMapOvr>
+    <a:masterClrMapping/>
+  </p:clrMapOvr>
+</p:sld>
+</file>
+
+<file path=ppt/slides/slide19.xml><?xml version="1.0" encoding="utf-8"?>
+<p:sld xmlns:a="http://schemas.openxmlformats.org/drawingml/2006/main" xmlns:r="http://schemas.openxmlformats.org/officeDocument/2006/relationships" xmlns:p="http://schemas.openxmlformats.org/presentationml/2006/main">
+  <p:cSld>
+    <p:spTree>
+      <p:nvGrpSpPr>
+        <p:cNvPr id="1" name=""/>
+        <p:cNvGrpSpPr/>
+        <p:nvPr/>
+      </p:nvGrpSpPr>
+      <p:grpSpPr>
+        <a:xfrm>
+          <a:off x="0" y="0"/>
+          <a:ext cx="0" cy="0"/>
+          <a:chOff x="0" y="0"/>
+          <a:chExt cx="0" cy="0"/>
+        </a:xfrm>
+      </p:grpSpPr>
+      <p:sp>
+        <p:nvSpPr>
+          <p:cNvPr id="2" name="标题 1"/>
+          <p:cNvSpPr>
+            <a:spLocks noGrp="1"/>
+          </p:cNvSpPr>
+          <p:nvPr>
+            <p:ph type="title"/>
+          </p:nvPr>
+        </p:nvSpPr>
+        <p:spPr/>
+        <p:txBody>
+          <a:bodyPr/>
+          <a:lstStyle/>
+          <a:p>
+            <a:r>
+              <a:rPr lang="zh-CN" altLang="en-US" dirty="0"/>
+              <a:t>梯度下降</a:t>
+            </a:r>
+          </a:p>
+        </p:txBody>
+      </p:sp>
+      <p:sp>
+        <p:nvSpPr>
+          <p:cNvPr id="3" name="内容占位符 2"/>
+          <p:cNvSpPr>
+            <a:spLocks noGrp="1"/>
+          </p:cNvSpPr>
+          <p:nvPr>
+            <p:ph sz="quarter" idx="1"/>
+          </p:nvPr>
+        </p:nvSpPr>
+        <p:spPr/>
+        <p:txBody>
+          <a:bodyPr/>
+          <a:lstStyle/>
+          <a:p>
+            <a:r>
+              <a:rPr lang="zh-CN" altLang="en-US" dirty="0"/>
+              <a:t>交叉熵损失函数，模型在训练集的风险函数为</a:t>
+            </a:r>
+            <a:endParaRPr lang="en-US" altLang="zh-CN" dirty="0"/>
+          </a:p>
+          <a:p>
+            <a:endParaRPr lang="en-US" altLang="zh-CN" dirty="0"/>
+          </a:p>
+          <a:p>
+            <a:endParaRPr lang="en-US" altLang="zh-CN" dirty="0"/>
+          </a:p>
+          <a:p>
+            <a:endParaRPr lang="en-US" altLang="zh-CN" dirty="0"/>
+          </a:p>
+          <a:p>
+            <a:r>
+              <a:rPr lang="zh-CN" altLang="en-US" dirty="0"/>
+              <a:t>梯度为</a:t>
+            </a:r>
+            <a:endParaRPr lang="en-US" altLang="zh-CN" dirty="0"/>
+          </a:p>
+          <a:p>
+            <a:endParaRPr lang="zh-CN" altLang="en-US" dirty="0"/>
+          </a:p>
+        </p:txBody>
+      </p:sp>
+      <p:pic>
+        <p:nvPicPr>
+          <p:cNvPr id="4" name="图片 3" descr="屏幕剪辑"/>
+          <p:cNvPicPr>
+            <a:picLocks noChangeAspect="1"/>
+          </p:cNvPicPr>
+          <p:nvPr/>
+        </p:nvPicPr>
+        <p:blipFill>
+          <a:blip r:embed="rId2">
+            <a:extLst>
+              <a:ext uri="{28A0092B-C50C-407E-A947-70E740481C1C}">
+                <a14:useLocalDpi xmlns:a14="http://schemas.microsoft.com/office/drawing/2010/main"/>
+              </a:ext>
+            </a:extLst>
+          </a:blip>
+          <a:stretch>
+            <a:fillRect/>
+          </a:stretch>
+        </p:blipFill>
+        <p:spPr>
+          <a:xfrm>
+            <a:off x="685800" y="2749884"/>
+            <a:ext cx="8306959" cy="828791"/>
+          </a:xfrm>
+          <a:prstGeom prst="rect">
+            <a:avLst/>
+          </a:prstGeom>
+        </p:spPr>
+      </p:pic>
+      <p:pic>
+        <p:nvPicPr>
+          <p:cNvPr id="6" name="图片 5" descr="屏幕剪辑"/>
+          <p:cNvPicPr>
+            <a:picLocks noChangeAspect="1"/>
+          </p:cNvPicPr>
+          <p:nvPr/>
+        </p:nvPicPr>
+        <p:blipFill>
+          <a:blip r:embed="rId3">
+            <a:extLst>
+              <a:ext uri="{28A0092B-C50C-407E-A947-70E740481C1C}">
+                <a14:useLocalDpi xmlns:a14="http://schemas.microsoft.com/office/drawing/2010/main"/>
+              </a:ext>
+            </a:extLst>
+          </a:blip>
+          <a:stretch>
+            <a:fillRect/>
+          </a:stretch>
+        </p:blipFill>
+        <p:spPr>
+          <a:xfrm>
+            <a:off x="1752600" y="4742584"/>
+            <a:ext cx="5239481" cy="885949"/>
+          </a:xfrm>
+          <a:prstGeom prst="rect">
+            <a:avLst/>
+          </a:prstGeom>
+        </p:spPr>
+      </p:pic>
+    </p:spTree>
+    <p:extLst>
+      <p:ext uri="{BB962C8B-B14F-4D97-AF65-F5344CB8AC3E}">
+        <p14:creationId xmlns:p14="http://schemas.microsoft.com/office/powerpoint/2010/main" val="354613669"/>
+      </p:ext>
+    </p:extLst>
+  </p:cSld>
+  <p:clrMapOvr>
+    <a:masterClrMapping/>
+  </p:clrMapOvr>
+</p:sld>
+</file>
+
+<file path=ppt/slides/slide2.xml><?xml version="1.0" encoding="utf-8"?>
+<p:sld xmlns:a="http://schemas.openxmlformats.org/drawingml/2006/main" xmlns:r="http://schemas.openxmlformats.org/officeDocument/2006/relationships" xmlns:p="http://schemas.openxmlformats.org/presentationml/2006/main">
+  <p:cSld>
+    <p:spTree>
+      <p:nvGrpSpPr>
+        <p:cNvPr id="1" name=""/>
+        <p:cNvGrpSpPr/>
+        <p:nvPr/>
+      </p:nvGrpSpPr>
+      <p:grpSpPr>
+        <a:xfrm>
+          <a:off x="0" y="0"/>
+          <a:ext cx="0" cy="0"/>
+          <a:chOff x="0" y="0"/>
+          <a:chExt cx="0" cy="0"/>
+        </a:xfrm>
+      </p:grpSpPr>
+      <p:sp>
+        <p:nvSpPr>
+          <p:cNvPr id="2" name="标题 1">
+            <a:extLst>
+              <a:ext uri="{FF2B5EF4-FFF2-40B4-BE49-F238E27FC236}">
+                <a16:creationId xmlns:a16="http://schemas.microsoft.com/office/drawing/2014/main" id="{B6BD2552-A24B-45F7-9560-E47B4AFF2FCD}"/>
+              </a:ext>
+            </a:extLst>
+          </p:cNvPr>
+          <p:cNvSpPr>
+            <a:spLocks noGrp="1"/>
+          </p:cNvSpPr>
+          <p:nvPr>
+            <p:ph type="title"/>
+          </p:nvPr>
+        </p:nvSpPr>
+        <p:spPr/>
+        <p:txBody>
+          <a:bodyPr/>
+          <a:lstStyle/>
+          <a:p>
+            <a:r>
+              <a:rPr lang="zh-CN" altLang="en-US" dirty="0"/>
+              <a:t>线性模型</a:t>
+            </a:r>
+          </a:p>
+        </p:txBody>
+      </p:sp>
+      <p:sp>
+        <p:nvSpPr>
+          <p:cNvPr id="3" name="内容占位符 2">
+            <a:extLst>
+              <a:ext uri="{FF2B5EF4-FFF2-40B4-BE49-F238E27FC236}">
+                <a16:creationId xmlns:a16="http://schemas.microsoft.com/office/drawing/2014/main" id="{87885846-4CCF-48E6-9B73-4407042CB92D}"/>
+              </a:ext>
+            </a:extLst>
+          </p:cNvPr>
+          <p:cNvSpPr>
+            <a:spLocks noGrp="1"/>
+          </p:cNvSpPr>
+          <p:nvPr>
+            <p:ph sz="quarter" idx="1"/>
+          </p:nvPr>
+        </p:nvSpPr>
+        <p:spPr/>
+        <p:txBody>
+          <a:bodyPr/>
+          <a:lstStyle/>
+          <a:p>
+            <a:r>
+              <a:rPr lang="zh-CN" altLang="en-US" dirty="0"/>
+              <a:t>分类问题中的线性模型</a:t>
+            </a:r>
+            <a:endParaRPr lang="en-US" altLang="zh-CN" dirty="0"/>
+          </a:p>
+          <a:p>
+            <a:pPr lvl="1"/>
+            <a:r>
+              <a:rPr lang="zh-CN" altLang="en-US" dirty="0"/>
+              <a:t>分类问题</a:t>
+            </a:r>
+            <a:endParaRPr lang="en-US" altLang="zh-CN" dirty="0"/>
+          </a:p>
+          <a:p>
+            <a:pPr lvl="1"/>
+            <a:r>
+              <a:rPr lang="en-US" altLang="zh-CN" dirty="0"/>
+              <a:t>Logistic Regression</a:t>
+            </a:r>
+          </a:p>
+          <a:p>
+            <a:pPr lvl="1"/>
+            <a:r>
+              <a:rPr lang="en-US" altLang="zh-CN" dirty="0"/>
+              <a:t>Softmax Regression</a:t>
+            </a:r>
+          </a:p>
+          <a:p>
+            <a:pPr lvl="1"/>
+            <a:r>
+              <a:rPr lang="en-US" altLang="zh-CN" dirty="0"/>
+              <a:t>Perceptron</a:t>
+            </a:r>
+          </a:p>
+          <a:p>
+            <a:pPr lvl="1"/>
+            <a:r>
+              <a:rPr lang="en-US" altLang="zh-CN" dirty="0"/>
+              <a:t>SVM</a:t>
+            </a:r>
+            <a:endParaRPr lang="zh-CN" altLang="en-US" dirty="0"/>
+          </a:p>
+        </p:txBody>
+      </p:sp>
+    </p:spTree>
+    <p:extLst>
+      <p:ext uri="{BB962C8B-B14F-4D97-AF65-F5344CB8AC3E}">
+        <p14:creationId xmlns:p14="http://schemas.microsoft.com/office/powerpoint/2010/main" val="3707979325"/>
+      </p:ext>
+    </p:extLst>
+  </p:cSld>
+  <p:clrMapOvr>
+    <a:masterClrMapping/>
+  </p:clrMapOvr>
+</p:sld>
+</file>
+
+<file path=ppt/slides/slide20.xml><?xml version="1.0" encoding="utf-8"?>
+<p:sld xmlns:a="http://schemas.openxmlformats.org/drawingml/2006/main" xmlns:r="http://schemas.openxmlformats.org/officeDocument/2006/relationships" xmlns:p="http://schemas.openxmlformats.org/presentationml/2006/main">
+  <p:cSld>
+    <p:spTree>
+      <p:nvGrpSpPr>
+        <p:cNvPr id="1" name=""/>
+        <p:cNvGrpSpPr/>
+        <p:nvPr/>
+      </p:nvGrpSpPr>
+      <p:grpSpPr>
+        <a:xfrm>
+          <a:off x="0" y="0"/>
+          <a:ext cx="0" cy="0"/>
+          <a:chOff x="0" y="0"/>
+          <a:chExt cx="0" cy="0"/>
+        </a:xfrm>
+      </p:grpSpPr>
+      <p:sp>
+        <p:nvSpPr>
+          <p:cNvPr id="2" name="标题 1"/>
+          <p:cNvSpPr>
+            <a:spLocks noGrp="1"/>
+          </p:cNvSpPr>
+          <p:nvPr>
+            <p:ph type="title"/>
+          </p:nvPr>
+        </p:nvSpPr>
+        <p:spPr/>
+        <p:txBody>
+          <a:bodyPr/>
+          <a:lstStyle/>
+          <a:p>
+            <a:r>
+              <a:rPr lang="en-US" altLang="zh-CN" dirty="0"/>
+              <a:t>Softmax</a:t>
+            </a:r>
+            <a:r>
+              <a:rPr lang="zh-CN" altLang="en-US" dirty="0"/>
+              <a:t>回归</a:t>
+            </a:r>
+          </a:p>
+        </p:txBody>
+      </p:sp>
+      <p:sp>
+        <p:nvSpPr>
+          <p:cNvPr id="3" name="内容占位符 2"/>
+          <p:cNvSpPr>
+            <a:spLocks noGrp="1"/>
+          </p:cNvSpPr>
+          <p:nvPr>
+            <p:ph sz="quarter" idx="1"/>
+          </p:nvPr>
+        </p:nvSpPr>
+        <p:spPr/>
+        <p:txBody>
+          <a:bodyPr/>
+          <a:lstStyle/>
+          <a:p>
+            <a:r>
+              <a:rPr lang="en-US" altLang="zh-CN" dirty="0"/>
+              <a:t>Softmax</a:t>
+            </a:r>
+            <a:r>
+              <a:rPr lang="zh-CN" altLang="en-US" dirty="0"/>
+              <a:t>回归是</a:t>
+            </a:r>
+            <a:r>
+              <a:rPr lang="en-US" altLang="zh-CN" dirty="0"/>
+              <a:t>logistic</a:t>
+            </a:r>
+            <a:r>
+              <a:rPr lang="zh-CN" altLang="en-US" dirty="0"/>
+              <a:t>回归的多类推广。</a:t>
+            </a:r>
+            <a:endParaRPr lang="en-US" altLang="zh-CN" dirty="0"/>
+          </a:p>
+          <a:p>
+            <a:endParaRPr lang="en-US" altLang="zh-CN" dirty="0"/>
+          </a:p>
+          <a:p>
+            <a:pPr marL="0" indent="0">
+              <a:buNone/>
+            </a:pPr>
+            <a:endParaRPr lang="en-US" altLang="zh-CN" dirty="0"/>
+          </a:p>
+          <a:p>
+            <a:endParaRPr lang="en-US" altLang="zh-CN" dirty="0"/>
+          </a:p>
+          <a:p>
+            <a:r>
+              <a:rPr lang="zh-CN" altLang="en-US" dirty="0"/>
+              <a:t>利用</a:t>
+            </a:r>
+            <a:r>
+              <a:rPr lang="en-US" altLang="zh-CN" dirty="0"/>
+              <a:t>softmax</a:t>
+            </a:r>
+            <a:r>
+              <a:rPr lang="zh-CN" altLang="en-US" dirty="0"/>
+              <a:t>函数，我们定义目标类别</a:t>
+            </a:r>
+            <a:r>
+              <a:rPr lang="en-US" altLang="zh-CN" dirty="0"/>
+              <a:t>y = c</a:t>
+            </a:r>
+            <a:r>
+              <a:rPr lang="zh-CN" altLang="en-US" dirty="0"/>
+              <a:t>的后验概率为：</a:t>
+            </a:r>
+          </a:p>
+        </p:txBody>
+      </p:sp>
+      <p:pic>
+        <p:nvPicPr>
+          <p:cNvPr id="4" name="图片 3" descr="屏幕剪辑"/>
+          <p:cNvPicPr>
+            <a:picLocks noChangeAspect="1"/>
+          </p:cNvPicPr>
+          <p:nvPr/>
+        </p:nvPicPr>
+        <p:blipFill>
+          <a:blip r:embed="rId2">
+            <a:extLst>
+              <a:ext uri="{28A0092B-C50C-407E-A947-70E740481C1C}">
+                <a14:useLocalDpi xmlns:a14="http://schemas.microsoft.com/office/drawing/2010/main"/>
+              </a:ext>
+            </a:extLst>
+          </a:blip>
+          <a:stretch>
+            <a:fillRect/>
+          </a:stretch>
+        </p:blipFill>
+        <p:spPr>
+          <a:xfrm>
+            <a:off x="3124200" y="1886892"/>
+            <a:ext cx="2743200" cy="985962"/>
+          </a:xfrm>
+          <a:prstGeom prst="rect">
+            <a:avLst/>
+          </a:prstGeom>
+        </p:spPr>
+      </p:pic>
+      <p:pic>
+        <p:nvPicPr>
+          <p:cNvPr id="5" name="图片 4" descr="屏幕剪辑"/>
+          <p:cNvPicPr>
+            <a:picLocks noChangeAspect="1"/>
+          </p:cNvPicPr>
+          <p:nvPr/>
+        </p:nvPicPr>
+        <p:blipFill>
+          <a:blip r:embed="rId3">
+            <a:extLst>
+              <a:ext uri="{28A0092B-C50C-407E-A947-70E740481C1C}">
+                <a14:useLocalDpi xmlns:a14="http://schemas.microsoft.com/office/drawing/2010/main"/>
+              </a:ext>
+            </a:extLst>
+          </a:blip>
+          <a:stretch>
+            <a:fillRect/>
+          </a:stretch>
+        </p:blipFill>
+        <p:spPr>
+          <a:xfrm>
+            <a:off x="2362200" y="4542550"/>
+            <a:ext cx="4267200" cy="1630452"/>
+          </a:xfrm>
+          <a:prstGeom prst="rect">
+            <a:avLst/>
+          </a:prstGeom>
+        </p:spPr>
+      </p:pic>
+    </p:spTree>
+    <p:extLst>
+      <p:ext uri="{BB962C8B-B14F-4D97-AF65-F5344CB8AC3E}">
+        <p14:creationId xmlns:p14="http://schemas.microsoft.com/office/powerpoint/2010/main" val="961896786"/>
+      </p:ext>
+    </p:extLst>
+  </p:cSld>
+  <p:clrMapOvr>
+    <a:masterClrMapping/>
+  </p:clrMapOvr>
+</p:sld>
+</file>
+
+<file path=ppt/slides/slide21.xml><?xml version="1.0" encoding="utf-8"?>
+<p:sld xmlns:a="http://schemas.openxmlformats.org/drawingml/2006/main" xmlns:r="http://schemas.openxmlformats.org/officeDocument/2006/relationships" xmlns:p="http://schemas.openxmlformats.org/presentationml/2006/main">
+  <p:cSld>
+    <p:spTree>
+      <p:nvGrpSpPr>
+        <p:cNvPr id="1" name=""/>
+        <p:cNvGrpSpPr/>
+        <p:nvPr/>
+      </p:nvGrpSpPr>
+      <p:grpSpPr>
+        <a:xfrm>
+          <a:off x="0" y="0"/>
+          <a:ext cx="0" cy="0"/>
+          <a:chOff x="0" y="0"/>
+          <a:chExt cx="0" cy="0"/>
+        </a:xfrm>
+      </p:grpSpPr>
+      <p:sp>
+        <p:nvSpPr>
+          <p:cNvPr id="2" name="标题 1"/>
+          <p:cNvSpPr>
+            <a:spLocks noGrp="1"/>
+          </p:cNvSpPr>
+          <p:nvPr>
+            <p:ph type="title"/>
+          </p:nvPr>
+        </p:nvSpPr>
+        <p:spPr/>
+        <p:txBody>
+          <a:bodyPr/>
+          <a:lstStyle/>
+          <a:p>
+            <a:r>
               <a:rPr lang="zh-CN" altLang="en-US" dirty="0"/>
               <a:t>梯度下降</a:t>
             </a:r>
@@ -7782,7 +10115,7 @@
 </p:sld>
 </file>
 
-<file path=ppt/slides/slide19.xml><?xml version="1.0" encoding="utf-8"?>
+<file path=ppt/slides/slide22.xml><?xml version="1.0" encoding="utf-8"?>
 <p:sld xmlns:a="http://schemas.openxmlformats.org/drawingml/2006/main" xmlns:r="http://schemas.openxmlformats.org/officeDocument/2006/relationships" xmlns:p="http://schemas.openxmlformats.org/presentationml/2006/main">
   <p:cSld>
     <p:spTree>
@@ -8026,131 +10359,7 @@
 </p:sld>
 </file>
 
-<file path=ppt/slides/slide2.xml><?xml version="1.0" encoding="utf-8"?>
-<p:sld xmlns:a="http://schemas.openxmlformats.org/drawingml/2006/main" xmlns:r="http://schemas.openxmlformats.org/officeDocument/2006/relationships" xmlns:p="http://schemas.openxmlformats.org/presentationml/2006/main">
-  <p:cSld>
-    <p:spTree>
-      <p:nvGrpSpPr>
-        <p:cNvPr id="1" name=""/>
-        <p:cNvGrpSpPr/>
-        <p:nvPr/>
-      </p:nvGrpSpPr>
-      <p:grpSpPr>
-        <a:xfrm>
-          <a:off x="0" y="0"/>
-          <a:ext cx="0" cy="0"/>
-          <a:chOff x="0" y="0"/>
-          <a:chExt cx="0" cy="0"/>
-        </a:xfrm>
-      </p:grpSpPr>
-      <p:sp>
-        <p:nvSpPr>
-          <p:cNvPr id="2" name="标题 1">
-            <a:extLst>
-              <a:ext uri="{FF2B5EF4-FFF2-40B4-BE49-F238E27FC236}">
-                <a16:creationId xmlns:a16="http://schemas.microsoft.com/office/drawing/2014/main" id="{B6BD2552-A24B-45F7-9560-E47B4AFF2FCD}"/>
-              </a:ext>
-            </a:extLst>
-          </p:cNvPr>
-          <p:cNvSpPr>
-            <a:spLocks noGrp="1"/>
-          </p:cNvSpPr>
-          <p:nvPr>
-            <p:ph type="title"/>
-          </p:nvPr>
-        </p:nvSpPr>
-        <p:spPr/>
-        <p:txBody>
-          <a:bodyPr/>
-          <a:lstStyle/>
-          <a:p>
-            <a:r>
-              <a:rPr lang="zh-CN" altLang="en-US" dirty="0"/>
-              <a:t>线性模型</a:t>
-            </a:r>
-          </a:p>
-        </p:txBody>
-      </p:sp>
-      <p:sp>
-        <p:nvSpPr>
-          <p:cNvPr id="3" name="内容占位符 2">
-            <a:extLst>
-              <a:ext uri="{FF2B5EF4-FFF2-40B4-BE49-F238E27FC236}">
-                <a16:creationId xmlns:a16="http://schemas.microsoft.com/office/drawing/2014/main" id="{87885846-4CCF-48E6-9B73-4407042CB92D}"/>
-              </a:ext>
-            </a:extLst>
-          </p:cNvPr>
-          <p:cNvSpPr>
-            <a:spLocks noGrp="1"/>
-          </p:cNvSpPr>
-          <p:nvPr>
-            <p:ph sz="quarter" idx="1"/>
-          </p:nvPr>
-        </p:nvSpPr>
-        <p:spPr/>
-        <p:txBody>
-          <a:bodyPr/>
-          <a:lstStyle/>
-          <a:p>
-            <a:r>
-              <a:rPr lang="zh-CN" altLang="en-US" dirty="0"/>
-              <a:t>分类问题中的线性模型</a:t>
-            </a:r>
-            <a:endParaRPr lang="en-US" altLang="zh-CN" dirty="0"/>
-          </a:p>
-          <a:p>
-            <a:pPr lvl="1"/>
-            <a:r>
-              <a:rPr lang="zh-CN" altLang="en-US" dirty="0"/>
-              <a:t>分类问题</a:t>
-            </a:r>
-            <a:endParaRPr lang="en-US" altLang="zh-CN" dirty="0"/>
-          </a:p>
-          <a:p>
-            <a:pPr lvl="1"/>
-            <a:r>
-              <a:rPr lang="en-US" altLang="zh-CN" dirty="0"/>
-              <a:t>Logistic Regression</a:t>
-            </a:r>
-          </a:p>
-          <a:p>
-            <a:pPr lvl="1"/>
-            <a:r>
-              <a:rPr lang="en-US" altLang="zh-CN" dirty="0"/>
-              <a:t>Softmax Regression</a:t>
-            </a:r>
-          </a:p>
-          <a:p>
-            <a:pPr lvl="1"/>
-            <a:r>
-              <a:rPr lang="en-US" altLang="zh-CN" dirty="0"/>
-              <a:t>Perceptron</a:t>
-            </a:r>
-          </a:p>
-          <a:p>
-            <a:pPr lvl="1"/>
-            <a:r>
-              <a:rPr lang="en-US" altLang="zh-CN" dirty="0"/>
-              <a:t>SVM</a:t>
-            </a:r>
-            <a:endParaRPr lang="zh-CN" altLang="en-US" dirty="0"/>
-          </a:p>
-        </p:txBody>
-      </p:sp>
-    </p:spTree>
-    <p:extLst>
-      <p:ext uri="{BB962C8B-B14F-4D97-AF65-F5344CB8AC3E}">
-        <p14:creationId xmlns:p14="http://schemas.microsoft.com/office/powerpoint/2010/main" val="3707979325"/>
-      </p:ext>
-    </p:extLst>
-  </p:cSld>
-  <p:clrMapOvr>
-    <a:masterClrMapping/>
-  </p:clrMapOvr>
-</p:sld>
-</file>
-
-<file path=ppt/slides/slide20.xml><?xml version="1.0" encoding="utf-8"?>
+<file path=ppt/slides/slide23.xml><?xml version="1.0" encoding="utf-8"?>
 <p:sld xmlns:a="http://schemas.openxmlformats.org/drawingml/2006/main" xmlns:r="http://schemas.openxmlformats.org/officeDocument/2006/relationships" xmlns:p="http://schemas.openxmlformats.org/presentationml/2006/main">
   <p:cSld>
     <p:spTree>
@@ -8202,7 +10411,7 @@
 </p:sld>
 </file>
 
-<file path=ppt/slides/slide21.xml><?xml version="1.0" encoding="utf-8"?>
+<file path=ppt/slides/slide24.xml><?xml version="1.0" encoding="utf-8"?>
 <p:sld xmlns:a="http://schemas.openxmlformats.org/drawingml/2006/main" xmlns:r="http://schemas.openxmlformats.org/officeDocument/2006/relationships" xmlns:p="http://schemas.openxmlformats.org/presentationml/2006/main">
   <p:cSld>
     <p:spTree>
@@ -8353,7 +10562,7 @@
 </p:sld>
 </file>
 
-<file path=ppt/slides/slide22.xml><?xml version="1.0" encoding="utf-8"?>
+<file path=ppt/slides/slide25.xml><?xml version="1.0" encoding="utf-8"?>
 <p:sld xmlns:a="http://schemas.openxmlformats.org/drawingml/2006/main" xmlns:r="http://schemas.openxmlformats.org/officeDocument/2006/relationships" xmlns:p="http://schemas.openxmlformats.org/presentationml/2006/main">
   <p:cSld>
     <p:spTree>
@@ -8681,7 +10890,7 @@
 </p:sld>
 </file>
 
-<file path=ppt/slides/slide23.xml><?xml version="1.0" encoding="utf-8"?>
+<file path=ppt/slides/slide26.xml><?xml version="1.0" encoding="utf-8"?>
 <p:sld xmlns:a="http://schemas.openxmlformats.org/drawingml/2006/main" xmlns:r="http://schemas.openxmlformats.org/officeDocument/2006/relationships" xmlns:p="http://schemas.openxmlformats.org/presentationml/2006/main">
   <p:cSld>
     <p:spTree>
@@ -8762,7 +10971,7 @@
 </p:sld>
 </file>
 
-<file path=ppt/slides/slide24.xml><?xml version="1.0" encoding="utf-8"?>
+<file path=ppt/slides/slide27.xml><?xml version="1.0" encoding="utf-8"?>
 <p:sld xmlns:a="http://schemas.openxmlformats.org/drawingml/2006/main" xmlns:r="http://schemas.openxmlformats.org/officeDocument/2006/relationships" xmlns:p="http://schemas.openxmlformats.org/presentationml/2006/main">
   <p:cSld>
     <p:spTree>
@@ -8847,7 +11056,7 @@
 </p:sld>
 </file>
 
-<file path=ppt/slides/slide25.xml><?xml version="1.0" encoding="utf-8"?>
+<file path=ppt/slides/slide28.xml><?xml version="1.0" encoding="utf-8"?>
 <p:sld xmlns:a="http://schemas.openxmlformats.org/drawingml/2006/main" xmlns:r="http://schemas.openxmlformats.org/officeDocument/2006/relationships" xmlns:p="http://schemas.openxmlformats.org/presentationml/2006/main">
   <p:cSld>
     <p:spTree>
